--- a/final_project/präsi_max.pptx
+++ b/final_project/präsi_max.pptx
@@ -5,7 +5,7 @@
     <p:sldMasterId id="2147483648" r:id="rId1"/>
   </p:sldMasterIdLst>
   <p:notesMasterIdLst>
-    <p:notesMasterId r:id="rId16"/>
+    <p:notesMasterId r:id="rId15"/>
   </p:notesMasterIdLst>
   <p:sldIdLst>
     <p:sldId id="256" r:id="rId2"/>
@@ -20,8 +20,7 @@
     <p:sldId id="261" r:id="rId11"/>
     <p:sldId id="267" r:id="rId12"/>
     <p:sldId id="262" r:id="rId13"/>
-    <p:sldId id="268" r:id="rId14"/>
-    <p:sldId id="269" r:id="rId15"/>
+    <p:sldId id="269" r:id="rId14"/>
   </p:sldIdLst>
   <p:sldSz cx="12192000" cy="6858000"/>
   <p:notesSz cx="6858000" cy="9144000"/>
@@ -128,125 +127,14 @@
 </p:presentation>
 </file>
 
-<file path=ppt/changesInfos/changesInfo1.xml><?xml version="1.0" encoding="utf-8"?>
-<pc:chgInfo xmlns:a="http://schemas.openxmlformats.org/drawingml/2006/main" xmlns:r="http://schemas.openxmlformats.org/officeDocument/2006/relationships" xmlns:ac="http://schemas.microsoft.com/office/drawing/2013/main/command" xmlns:pc="http://schemas.microsoft.com/office/powerpoint/2013/main/command">
-  <pc:docChgLst>
-    <pc:chgData clId="Web-{DF788F37-DED4-43CF-984C-E688FE6A77EC}"/>
-    <pc:docChg chg="delSld modSld">
-      <pc:chgData name="" userId="" providerId="" clId="Web-{DF788F37-DED4-43CF-984C-E688FE6A77EC}" dt="2018-05-31T17:00:59.194" v="316" actId="20577"/>
-      <pc:docMkLst>
-        <pc:docMk/>
-      </pc:docMkLst>
-      <pc:sldChg chg="addSp modSp modNotes">
-        <pc:chgData name="" userId="" providerId="" clId="Web-{DF788F37-DED4-43CF-984C-E688FE6A77EC}" dt="2018-05-31T16:58:07.179" v="296"/>
-        <pc:sldMkLst>
-          <pc:docMk/>
-          <pc:sldMk cId="1854163771" sldId="259"/>
-        </pc:sldMkLst>
-        <pc:spChg chg="mod">
-          <ac:chgData name="" userId="" providerId="" clId="Web-{DF788F37-DED4-43CF-984C-E688FE6A77EC}" dt="2018-05-31T16:29:55.095" v="38" actId="20577"/>
-          <ac:spMkLst>
-            <pc:docMk/>
-            <pc:sldMk cId="1854163771" sldId="259"/>
-            <ac:spMk id="2" creationId="{00000000-0000-0000-0000-000000000000}"/>
-          </ac:spMkLst>
-        </pc:spChg>
-        <pc:spChg chg="add mod">
-          <ac:chgData name="" userId="" providerId="" clId="Web-{DF788F37-DED4-43CF-984C-E688FE6A77EC}" dt="2018-05-31T16:32:48.392" v="103" actId="1076"/>
-          <ac:spMkLst>
-            <pc:docMk/>
-            <pc:sldMk cId="1854163771" sldId="259"/>
-            <ac:spMk id="3" creationId="{F1843FF8-12E6-4B09-8798-1EF8A214CDDE}"/>
-          </ac:spMkLst>
-        </pc:spChg>
-        <pc:spChg chg="add mod">
-          <ac:chgData name="" userId="" providerId="" clId="Web-{DF788F37-DED4-43CF-984C-E688FE6A77EC}" dt="2018-05-31T16:32:46.892" v="102" actId="1076"/>
-          <ac:spMkLst>
-            <pc:docMk/>
-            <pc:sldMk cId="1854163771" sldId="259"/>
-            <ac:spMk id="7" creationId="{161DC10D-D614-460E-AFC1-EE36F9F60B7C}"/>
-          </ac:spMkLst>
-        </pc:spChg>
-        <pc:spChg chg="add mod">
-          <ac:chgData name="" userId="" providerId="" clId="Web-{DF788F37-DED4-43CF-984C-E688FE6A77EC}" dt="2018-05-31T16:32:49.798" v="104" actId="1076"/>
-          <ac:spMkLst>
-            <pc:docMk/>
-            <pc:sldMk cId="1854163771" sldId="259"/>
-            <ac:spMk id="8" creationId="{01CA078B-4379-4B9E-8DBB-E627D30B4EF9}"/>
-          </ac:spMkLst>
-        </pc:spChg>
-        <pc:spChg chg="add mod">
-          <ac:chgData name="" userId="" providerId="" clId="Web-{DF788F37-DED4-43CF-984C-E688FE6A77EC}" dt="2018-05-31T16:57:13.241" v="272" actId="1076"/>
-          <ac:spMkLst>
-            <pc:docMk/>
-            <pc:sldMk cId="1854163771" sldId="259"/>
-            <ac:spMk id="9" creationId="{1ADE1A16-5158-4089-A662-B987A3EE412E}"/>
-          </ac:spMkLst>
-        </pc:spChg>
-        <pc:spChg chg="add mod">
-          <ac:chgData name="" userId="" providerId="" clId="Web-{DF788F37-DED4-43CF-984C-E688FE6A77EC}" dt="2018-05-31T16:55:28.194" v="233" actId="20577"/>
-          <ac:spMkLst>
-            <pc:docMk/>
-            <pc:sldMk cId="1854163771" sldId="259"/>
-            <ac:spMk id="10" creationId="{55AEA795-DD77-4424-B08D-9484B9C50E95}"/>
-          </ac:spMkLst>
-        </pc:spChg>
-        <pc:picChg chg="mod">
-          <ac:chgData name="" userId="" providerId="" clId="Web-{DF788F37-DED4-43CF-984C-E688FE6A77EC}" dt="2018-05-31T16:31:48.267" v="55" actId="1076"/>
-          <ac:picMkLst>
-            <pc:docMk/>
-            <pc:sldMk cId="1854163771" sldId="259"/>
-            <ac:picMk id="5" creationId="{00000000-0000-0000-0000-000000000000}"/>
-          </ac:picMkLst>
-        </pc:picChg>
-        <pc:picChg chg="mod">
-          <ac:chgData name="" userId="" providerId="" clId="Web-{DF788F37-DED4-43CF-984C-E688FE6A77EC}" dt="2018-05-31T16:31:49.095" v="56" actId="1076"/>
-          <ac:picMkLst>
-            <pc:docMk/>
-            <pc:sldMk cId="1854163771" sldId="259"/>
-            <ac:picMk id="6" creationId="{00000000-0000-0000-0000-000000000000}"/>
-          </ac:picMkLst>
-        </pc:picChg>
-      </pc:sldChg>
-      <pc:sldChg chg="modSp">
-        <pc:chgData name="" userId="" providerId="" clId="Web-{DF788F37-DED4-43CF-984C-E688FE6A77EC}" dt="2018-05-31T17:00:59.194" v="315" actId="20577"/>
-        <pc:sldMkLst>
-          <pc:docMk/>
-          <pc:sldMk cId="901600328" sldId="266"/>
-        </pc:sldMkLst>
-        <pc:spChg chg="mod">
-          <ac:chgData name="" userId="" providerId="" clId="Web-{DF788F37-DED4-43CF-984C-E688FE6A77EC}" dt="2018-05-31T17:00:59.194" v="315" actId="20577"/>
-          <ac:spMkLst>
-            <pc:docMk/>
-            <pc:sldMk cId="901600328" sldId="266"/>
-            <ac:spMk id="3" creationId="{00000000-0000-0000-0000-000000000000}"/>
-          </ac:spMkLst>
-        </pc:spChg>
-      </pc:sldChg>
-      <pc:sldChg chg="modSp del">
-        <pc:chgData name="" userId="" providerId="" clId="Web-{DF788F37-DED4-43CF-984C-E688FE6A77EC}" dt="2018-05-31T16:58:21.429" v="298"/>
-        <pc:sldMkLst>
-          <pc:docMk/>
-          <pc:sldMk cId="17578669" sldId="272"/>
-        </pc:sldMkLst>
-        <pc:picChg chg="mod">
-          <ac:chgData name="" userId="" providerId="" clId="Web-{DF788F37-DED4-43CF-984C-E688FE6A77EC}" dt="2018-05-31T16:58:18.275" v="297" actId="1076"/>
-          <ac:picMkLst>
-            <pc:docMk/>
-            <pc:sldMk cId="17578669" sldId="272"/>
-            <ac:picMk id="4" creationId="{00000000-0000-0000-0000-000000000000}"/>
-          </ac:picMkLst>
-        </pc:picChg>
-      </pc:sldChg>
-    </pc:docChg>
-  </pc:docChgLst>
-</pc:chgInfo>
+<file path=ppt/revisionInfo.xml><?xml version="1.0" encoding="utf-8"?>
+<p1510:revInfo xmlns:a="http://schemas.openxmlformats.org/drawingml/2006/main" xmlns:r="http://schemas.openxmlformats.org/officeDocument/2006/relationships" xmlns:p1510="http://schemas.microsoft.com/office/powerpoint/2015/10/main"/>
 </file>
 
 <file path=ppt/charts/chart1.xml><?xml version="1.0" encoding="utf-8"?>
 <c:chartSpace xmlns:c="http://schemas.openxmlformats.org/drawingml/2006/chart" xmlns:a="http://schemas.openxmlformats.org/drawingml/2006/main" xmlns:r="http://schemas.openxmlformats.org/officeDocument/2006/relationships" xmlns:c16r2="http://schemas.microsoft.com/office/drawing/2015/06/chart">
   <c:date1904 val="0"/>
-  <c:lang val="de-DE"/>
+  <c:lang val="en-US"/>
   <c:roundedCorners val="0"/>
   <mc:AlternateContent xmlns:mc="http://schemas.openxmlformats.org/markup-compatibility/2006">
     <mc:Choice xmlns:c14="http://schemas.microsoft.com/office/drawing/2007/8/2/chart" Requires="c14">
@@ -976,7 +864,7 @@
 <file path=ppt/charts/chart2.xml><?xml version="1.0" encoding="utf-8"?>
 <c:chartSpace xmlns:c="http://schemas.openxmlformats.org/drawingml/2006/chart" xmlns:a="http://schemas.openxmlformats.org/drawingml/2006/main" xmlns:r="http://schemas.openxmlformats.org/officeDocument/2006/relationships" xmlns:c16r2="http://schemas.microsoft.com/office/drawing/2015/06/chart">
   <c:date1904 val="0"/>
-  <c:lang val="de-DE"/>
+  <c:lang val="en-US"/>
   <c:roundedCorners val="0"/>
   <mc:AlternateContent xmlns:mc="http://schemas.openxmlformats.org/markup-compatibility/2006">
     <mc:Choice xmlns:c14="http://schemas.microsoft.com/office/drawing/2007/8/2/chart" Requires="c14">
@@ -2594,7 +2482,7 @@
 <file path=ppt/charts/chart3.xml><?xml version="1.0" encoding="utf-8"?>
 <c:chartSpace xmlns:c="http://schemas.openxmlformats.org/drawingml/2006/chart" xmlns:a="http://schemas.openxmlformats.org/drawingml/2006/main" xmlns:r="http://schemas.openxmlformats.org/officeDocument/2006/relationships" xmlns:c16r2="http://schemas.microsoft.com/office/drawing/2015/06/chart">
   <c:date1904 val="0"/>
-  <c:lang val="de-DE"/>
+  <c:lang val="en-US"/>
   <c:roundedCorners val="0"/>
   <mc:AlternateContent xmlns:mc="http://schemas.openxmlformats.org/markup-compatibility/2006">
     <mc:Choice xmlns:c14="http://schemas.microsoft.com/office/drawing/2007/8/2/chart" Requires="c14">
@@ -4830,7 +4718,7 @@
           <a:p>
             <a:fld id="{C8876271-C828-EB47-901C-3294B307AE95}" type="slidenum">
               <a:rPr lang="en-US" smtClean="0"/>
-              <a:t>‹Nr.›</a:t>
+              <a:t>‹#›</a:t>
             </a:fld>
             <a:endParaRPr lang="en-US"/>
           </a:p>
@@ -5091,7 +4979,7 @@
           <a:p>
             <a:fld id="{C8876271-C828-EB47-901C-3294B307AE95}" type="slidenum">
               <a:rPr lang="en-US" smtClean="0"/>
-              <a:t>12</a:t>
+              <a:t>10</a:t>
             </a:fld>
             <a:endParaRPr lang="en-US"/>
           </a:p>
@@ -5100,7 +4988,7 @@
     </p:spTree>
     <p:extLst>
       <p:ext uri="{BB962C8B-B14F-4D97-AF65-F5344CB8AC3E}">
-        <p14:creationId xmlns:p14="http://schemas.microsoft.com/office/powerpoint/2010/main" val="1521362302"/>
+        <p14:creationId xmlns:p14="http://schemas.microsoft.com/office/powerpoint/2010/main" val="1578629325"/>
       </p:ext>
     </p:extLst>
   </p:cSld>
@@ -5159,28 +5047,6 @@
               <a:t>D</a:t>
             </a:r>
           </a:p>
-          <a:p>
-            <a:endParaRPr lang="en-US" dirty="0"/>
-          </a:p>
-          <a:p>
-            <a:r>
-              <a:rPr lang="en-US" dirty="0"/>
-              <a:t>Why </a:t>
-            </a:r>
-            <a:r>
-              <a:rPr lang="en-US" dirty="0" err="1"/>
-              <a:t>scoredist</a:t>
-            </a:r>
-            <a:r>
-              <a:rPr lang="en-US" dirty="0"/>
-              <a:t>, why dinucleotide</a:t>
-            </a:r>
-            <a:r>
-              <a:rPr lang="en-US" baseline="0" dirty="0"/>
-              <a:t> frequencies</a:t>
-            </a:r>
-            <a:endParaRPr lang="en-US" dirty="0"/>
-          </a:p>
         </p:txBody>
       </p:sp>
       <p:sp>
@@ -5200,7 +5066,116 @@
           <a:p>
             <a:fld id="{C8876271-C828-EB47-901C-3294B307AE95}" type="slidenum">
               <a:rPr lang="en-US" smtClean="0"/>
-              <a:t>13</a:t>
+              <a:t>11</a:t>
+            </a:fld>
+            <a:endParaRPr lang="en-US"/>
+          </a:p>
+        </p:txBody>
+      </p:sp>
+    </p:spTree>
+    <p:extLst>
+      <p:ext uri="{BB962C8B-B14F-4D97-AF65-F5344CB8AC3E}">
+        <p14:creationId xmlns:p14="http://schemas.microsoft.com/office/powerpoint/2010/main" val="1521362302"/>
+      </p:ext>
+    </p:extLst>
+  </p:cSld>
+  <p:clrMapOvr>
+    <a:masterClrMapping/>
+  </p:clrMapOvr>
+</p:notes>
+</file>
+
+<file path=ppt/notesSlides/notesSlide12.xml><?xml version="1.0" encoding="utf-8"?>
+<p:notes xmlns:a="http://schemas.openxmlformats.org/drawingml/2006/main" xmlns:r="http://schemas.openxmlformats.org/officeDocument/2006/relationships" xmlns:p="http://schemas.openxmlformats.org/presentationml/2006/main">
+  <p:cSld>
+    <p:spTree>
+      <p:nvGrpSpPr>
+        <p:cNvPr id="1" name=""/>
+        <p:cNvGrpSpPr/>
+        <p:nvPr/>
+      </p:nvGrpSpPr>
+      <p:grpSpPr>
+        <a:xfrm>
+          <a:off x="0" y="0"/>
+          <a:ext cx="0" cy="0"/>
+          <a:chOff x="0" y="0"/>
+          <a:chExt cx="0" cy="0"/>
+        </a:xfrm>
+      </p:grpSpPr>
+      <p:sp>
+        <p:nvSpPr>
+          <p:cNvPr id="2" name="Slide Image Placeholder 1"/>
+          <p:cNvSpPr>
+            <a:spLocks noGrp="1" noRot="1" noChangeAspect="1"/>
+          </p:cNvSpPr>
+          <p:nvPr>
+            <p:ph type="sldImg"/>
+          </p:nvPr>
+        </p:nvSpPr>
+        <p:spPr/>
+      </p:sp>
+      <p:sp>
+        <p:nvSpPr>
+          <p:cNvPr id="3" name="Notes Placeholder 2"/>
+          <p:cNvSpPr>
+            <a:spLocks noGrp="1"/>
+          </p:cNvSpPr>
+          <p:nvPr>
+            <p:ph type="body" idx="1"/>
+          </p:nvPr>
+        </p:nvSpPr>
+        <p:spPr/>
+        <p:txBody>
+          <a:bodyPr/>
+          <a:lstStyle/>
+          <a:p>
+            <a:r>
+              <a:rPr lang="en-US" dirty="0"/>
+              <a:t>D</a:t>
+            </a:r>
+          </a:p>
+          <a:p>
+            <a:endParaRPr lang="en-US" dirty="0"/>
+          </a:p>
+          <a:p>
+            <a:r>
+              <a:rPr lang="en-US" dirty="0"/>
+              <a:t>Why </a:t>
+            </a:r>
+            <a:r>
+              <a:rPr lang="en-US" dirty="0" err="1"/>
+              <a:t>scoredist</a:t>
+            </a:r>
+            <a:r>
+              <a:rPr lang="en-US" dirty="0"/>
+              <a:t>, why dinucleotide</a:t>
+            </a:r>
+            <a:r>
+              <a:rPr lang="en-US" baseline="0" dirty="0"/>
+              <a:t> frequencies</a:t>
+            </a:r>
+            <a:endParaRPr lang="en-US" dirty="0"/>
+          </a:p>
+        </p:txBody>
+      </p:sp>
+      <p:sp>
+        <p:nvSpPr>
+          <p:cNvPr id="4" name="Slide Number Placeholder 3"/>
+          <p:cNvSpPr>
+            <a:spLocks noGrp="1"/>
+          </p:cNvSpPr>
+          <p:nvPr>
+            <p:ph type="sldNum" sz="quarter" idx="10"/>
+          </p:nvPr>
+        </p:nvSpPr>
+        <p:spPr/>
+        <p:txBody>
+          <a:bodyPr/>
+          <a:lstStyle/>
+          <a:p>
+            <a:fld id="{C8876271-C828-EB47-901C-3294B307AE95}" type="slidenum">
+              <a:rPr lang="en-US" smtClean="0"/>
+              <a:t>12</a:t>
             </a:fld>
             <a:endParaRPr lang="en-US"/>
           </a:p>
@@ -5565,7 +5540,7 @@
           <a:p>
             <a:fld id="{C8876271-C828-EB47-901C-3294B307AE95}" type="slidenum">
               <a:rPr lang="en-US" smtClean="0"/>
-              <a:t>5</a:t>
+              <a:t>4</a:t>
             </a:fld>
             <a:endParaRPr lang="en-US"/>
           </a:p>
@@ -5652,7 +5627,7 @@
           <a:p>
             <a:fld id="{C8876271-C828-EB47-901C-3294B307AE95}" type="slidenum">
               <a:rPr lang="en-US" smtClean="0"/>
-              <a:t>6</a:t>
+              <a:t>5</a:t>
             </a:fld>
             <a:endParaRPr lang="en-US"/>
           </a:p>
@@ -5739,7 +5714,7 @@
           <a:p>
             <a:fld id="{C8876271-C828-EB47-901C-3294B307AE95}" type="slidenum">
               <a:rPr lang="en-US" smtClean="0"/>
-              <a:t>7</a:t>
+              <a:t>6</a:t>
             </a:fld>
             <a:endParaRPr lang="en-US"/>
           </a:p>
@@ -5817,7 +5792,7 @@
             </a:r>
             <a:r>
               <a:rPr lang="en-US" baseline="0" dirty="0"/>
-              <a:t> different numbers from our ORF finder as compared to the reference (NCBI BLAST).</a:t>
+              <a:t> different numbers from our ORF finder as compared to the reference (NCBI BLAST)</a:t>
             </a:r>
           </a:p>
           <a:p>
@@ -5842,7 +5817,7 @@
           <a:p>
             <a:fld id="{C8876271-C828-EB47-901C-3294B307AE95}" type="slidenum">
               <a:rPr lang="en-US" smtClean="0"/>
-              <a:t>8</a:t>
+              <a:t>7</a:t>
             </a:fld>
             <a:endParaRPr lang="en-US"/>
           </a:p>
@@ -5938,7 +5913,7 @@
           <a:p>
             <a:fld id="{C8876271-C828-EB47-901C-3294B307AE95}" type="slidenum">
               <a:rPr lang="en-US" smtClean="0"/>
-              <a:t>9</a:t>
+              <a:t>8</a:t>
             </a:fld>
             <a:endParaRPr lang="en-US"/>
           </a:p>
@@ -6002,8 +5977,8 @@
           <a:lstStyle/>
           <a:p>
             <a:r>
-              <a:rPr lang="en-US" dirty="0"/>
-              <a:t>D</a:t>
+              <a:rPr lang="de-DE" dirty="0"/>
+              <a:t>M</a:t>
             </a:r>
           </a:p>
         </p:txBody>
@@ -6025,7 +6000,7 @@
           <a:p>
             <a:fld id="{C8876271-C828-EB47-901C-3294B307AE95}" type="slidenum">
               <a:rPr lang="en-US" smtClean="0"/>
-              <a:t>11</a:t>
+              <a:t>9</a:t>
             </a:fld>
             <a:endParaRPr lang="en-US"/>
           </a:p>
@@ -6034,7 +6009,7 @@
     </p:spTree>
     <p:extLst>
       <p:ext uri="{BB962C8B-B14F-4D97-AF65-F5344CB8AC3E}">
-        <p14:creationId xmlns:p14="http://schemas.microsoft.com/office/powerpoint/2010/main" val="1578629325"/>
+        <p14:creationId xmlns:p14="http://schemas.microsoft.com/office/powerpoint/2010/main" val="3318099749"/>
       </p:ext>
     </p:extLst>
   </p:cSld>
@@ -6215,7 +6190,7 @@
           <a:p>
             <a:fld id="{91513B9F-3BE4-F84C-A83E-D0085BA2E157}" type="slidenum">
               <a:rPr lang="en-US" smtClean="0"/>
-              <a:t>‹Nr.›</a:t>
+              <a:t>‹#›</a:t>
             </a:fld>
             <a:endParaRPr lang="en-US"/>
           </a:p>
@@ -6383,7 +6358,7 @@
           <a:p>
             <a:fld id="{91513B9F-3BE4-F84C-A83E-D0085BA2E157}" type="slidenum">
               <a:rPr lang="en-US" smtClean="0"/>
-              <a:t>‹Nr.›</a:t>
+              <a:t>‹#›</a:t>
             </a:fld>
             <a:endParaRPr lang="en-US"/>
           </a:p>
@@ -6561,7 +6536,7 @@
           <a:p>
             <a:fld id="{91513B9F-3BE4-F84C-A83E-D0085BA2E157}" type="slidenum">
               <a:rPr lang="en-US" smtClean="0"/>
-              <a:t>‹Nr.›</a:t>
+              <a:t>‹#›</a:t>
             </a:fld>
             <a:endParaRPr lang="en-US"/>
           </a:p>
@@ -6729,7 +6704,7 @@
           <a:p>
             <a:fld id="{91513B9F-3BE4-F84C-A83E-D0085BA2E157}" type="slidenum">
               <a:rPr lang="en-US" smtClean="0"/>
-              <a:t>‹Nr.›</a:t>
+              <a:t>‹#›</a:t>
             </a:fld>
             <a:endParaRPr lang="en-US"/>
           </a:p>
@@ -6974,7 +6949,7 @@
           <a:p>
             <a:fld id="{91513B9F-3BE4-F84C-A83E-D0085BA2E157}" type="slidenum">
               <a:rPr lang="en-US" smtClean="0"/>
-              <a:t>‹Nr.›</a:t>
+              <a:t>‹#›</a:t>
             </a:fld>
             <a:endParaRPr lang="en-US"/>
           </a:p>
@@ -7203,7 +7178,7 @@
           <a:p>
             <a:fld id="{91513B9F-3BE4-F84C-A83E-D0085BA2E157}" type="slidenum">
               <a:rPr lang="en-US" smtClean="0"/>
-              <a:t>‹Nr.›</a:t>
+              <a:t>‹#›</a:t>
             </a:fld>
             <a:endParaRPr lang="en-US"/>
           </a:p>
@@ -7567,7 +7542,7 @@
           <a:p>
             <a:fld id="{91513B9F-3BE4-F84C-A83E-D0085BA2E157}" type="slidenum">
               <a:rPr lang="en-US" smtClean="0"/>
-              <a:t>‹Nr.›</a:t>
+              <a:t>‹#›</a:t>
             </a:fld>
             <a:endParaRPr lang="en-US"/>
           </a:p>
@@ -7684,7 +7659,7 @@
           <a:p>
             <a:fld id="{91513B9F-3BE4-F84C-A83E-D0085BA2E157}" type="slidenum">
               <a:rPr lang="en-US" smtClean="0"/>
-              <a:t>‹Nr.›</a:t>
+              <a:t>‹#›</a:t>
             </a:fld>
             <a:endParaRPr lang="en-US"/>
           </a:p>
@@ -7779,7 +7754,7 @@
           <a:p>
             <a:fld id="{91513B9F-3BE4-F84C-A83E-D0085BA2E157}" type="slidenum">
               <a:rPr lang="en-US" smtClean="0"/>
-              <a:t>‹Nr.›</a:t>
+              <a:t>‹#›</a:t>
             </a:fld>
             <a:endParaRPr lang="en-US"/>
           </a:p>
@@ -8054,7 +8029,7 @@
           <a:p>
             <a:fld id="{91513B9F-3BE4-F84C-A83E-D0085BA2E157}" type="slidenum">
               <a:rPr lang="en-US" smtClean="0"/>
-              <a:t>‹Nr.›</a:t>
+              <a:t>‹#›</a:t>
             </a:fld>
             <a:endParaRPr lang="en-US"/>
           </a:p>
@@ -8306,7 +8281,7 @@
           <a:p>
             <a:fld id="{91513B9F-3BE4-F84C-A83E-D0085BA2E157}" type="slidenum">
               <a:rPr lang="en-US" smtClean="0"/>
-              <a:t>‹Nr.›</a:t>
+              <a:t>‹#›</a:t>
             </a:fld>
             <a:endParaRPr lang="en-US"/>
           </a:p>
@@ -8564,7 +8539,7 @@
             <a:fld id="{91513B9F-3BE4-F84C-A83E-D0085BA2E157}" type="slidenum">
               <a:rPr lang="en-US" smtClean="0"/>
               <a:pPr/>
-              <a:t>‹Nr.›</a:t>
+              <a:t>‹#›</a:t>
             </a:fld>
             <a:endParaRPr lang="en-US"/>
           </a:p>
@@ -10065,74 +10040,6 @@
       </p:grpSpPr>
       <p:sp>
         <p:nvSpPr>
-          <p:cNvPr id="2" name="Title 1"/>
-          <p:cNvSpPr>
-            <a:spLocks noGrp="1"/>
-          </p:cNvSpPr>
-          <p:nvPr>
-            <p:ph type="title"/>
-          </p:nvPr>
-        </p:nvSpPr>
-        <p:spPr/>
-        <p:txBody>
-          <a:bodyPr/>
-          <a:lstStyle/>
-          <a:p>
-            <a:endParaRPr lang="en-US"/>
-          </a:p>
-        </p:txBody>
-      </p:sp>
-      <p:sp>
-        <p:nvSpPr>
-          <p:cNvPr id="3" name="Content Placeholder 2"/>
-          <p:cNvSpPr>
-            <a:spLocks noGrp="1"/>
-          </p:cNvSpPr>
-          <p:nvPr>
-            <p:ph idx="1"/>
-          </p:nvPr>
-        </p:nvSpPr>
-        <p:spPr/>
-        <p:txBody>
-          <a:bodyPr/>
-          <a:lstStyle/>
-          <a:p>
-            <a:endParaRPr lang="en-US"/>
-          </a:p>
-        </p:txBody>
-      </p:sp>
-    </p:spTree>
-    <p:extLst>
-      <p:ext uri="{BB962C8B-B14F-4D97-AF65-F5344CB8AC3E}">
-        <p14:creationId xmlns:p14="http://schemas.microsoft.com/office/powerpoint/2010/main" val="371267276"/>
-      </p:ext>
-    </p:extLst>
-  </p:cSld>
-  <p:clrMapOvr>
-    <a:masterClrMapping/>
-  </p:clrMapOvr>
-</p:sld>
-</file>
-
-<file path=ppt/slides/slide14.xml><?xml version="1.0" encoding="utf-8"?>
-<p:sld xmlns:a="http://schemas.openxmlformats.org/drawingml/2006/main" xmlns:r="http://schemas.openxmlformats.org/officeDocument/2006/relationships" xmlns:p="http://schemas.openxmlformats.org/presentationml/2006/main">
-  <p:cSld>
-    <p:spTree>
-      <p:nvGrpSpPr>
-        <p:cNvPr id="1" name=""/>
-        <p:cNvGrpSpPr/>
-        <p:nvPr/>
-      </p:nvGrpSpPr>
-      <p:grpSpPr>
-        <a:xfrm>
-          <a:off x="0" y="0"/>
-          <a:ext cx="0" cy="0"/>
-          <a:chOff x="0" y="0"/>
-          <a:chExt cx="0" cy="0"/>
-        </a:xfrm>
-      </p:grpSpPr>
-      <p:sp>
-        <p:nvSpPr>
           <p:cNvPr id="4" name="Title 3"/>
           <p:cNvSpPr>
             <a:spLocks noGrp="1"/>
@@ -10230,28 +10137,28 @@
       </p:sp>
       <p:pic>
         <p:nvPicPr>
-          <p:cNvPr id="13" name="Picture 12"/>
+          <p:cNvPr id="5" name="Picture 4">
+            <a:extLst>
+              <a:ext uri="{FF2B5EF4-FFF2-40B4-BE49-F238E27FC236}">
+                <a16:creationId xmlns:a16="http://schemas.microsoft.com/office/drawing/2014/main" id="{2D2B446D-43B0-46A9-86DB-591AE2684E2F}"/>
+              </a:ext>
+            </a:extLst>
+          </p:cNvPr>
           <p:cNvPicPr>
             <a:picLocks noChangeAspect="1"/>
           </p:cNvPicPr>
           <p:nvPr/>
         </p:nvPicPr>
         <p:blipFill>
-          <a:blip r:embed="rId3">
-            <a:extLst>
-              <a:ext uri="{28A0092B-C50C-407E-A947-70E740481C1C}">
-                <a14:useLocalDpi xmlns:a14="http://schemas.microsoft.com/office/drawing/2010/main" val="0"/>
-              </a:ext>
-            </a:extLst>
-          </a:blip>
+          <a:blip r:embed="rId3"/>
           <a:stretch>
             <a:fillRect/>
           </a:stretch>
         </p:blipFill>
         <p:spPr>
           <a:xfrm>
-            <a:off x="1231900" y="2420481"/>
-            <a:ext cx="9728200" cy="2768600"/>
+            <a:off x="764655" y="2270234"/>
+            <a:ext cx="10662689" cy="3168869"/>
           </a:xfrm>
           <a:prstGeom prst="rect">
             <a:avLst/>
@@ -10323,72 +10230,12 @@
           </a:p>
         </p:txBody>
       </p:sp>
-      <p:pic>
-        <p:nvPicPr>
-          <p:cNvPr id="5" name="Picture 4"/>
-          <p:cNvPicPr>
-            <a:picLocks noChangeAspect="1"/>
-          </p:cNvPicPr>
-          <p:nvPr/>
-        </p:nvPicPr>
-        <p:blipFill>
-          <a:blip r:embed="rId3">
-            <a:extLst>
-              <a:ext uri="{28A0092B-C50C-407E-A947-70E740481C1C}">
-                <a14:useLocalDpi xmlns:a14="http://schemas.microsoft.com/office/drawing/2010/main" val="0"/>
-              </a:ext>
-            </a:extLst>
-          </a:blip>
-          <a:stretch>
-            <a:fillRect/>
-          </a:stretch>
-        </p:blipFill>
-        <p:spPr>
-          <a:xfrm>
-            <a:off x="-839177" y="-2347225"/>
-            <a:ext cx="3993110" cy="2237426"/>
-          </a:xfrm>
-          <a:prstGeom prst="rect">
-            <a:avLst/>
-          </a:prstGeom>
-        </p:spPr>
-      </p:pic>
-      <p:pic>
-        <p:nvPicPr>
-          <p:cNvPr id="6" name="Picture 5"/>
-          <p:cNvPicPr>
-            <a:picLocks noChangeAspect="1"/>
-          </p:cNvPicPr>
-          <p:nvPr/>
-        </p:nvPicPr>
-        <p:blipFill>
-          <a:blip r:embed="rId4">
-            <a:extLst>
-              <a:ext uri="{28A0092B-C50C-407E-A947-70E740481C1C}">
-                <a14:useLocalDpi xmlns:a14="http://schemas.microsoft.com/office/drawing/2010/main" val="0"/>
-              </a:ext>
-            </a:extLst>
-          </a:blip>
-          <a:stretch>
-            <a:fillRect/>
-          </a:stretch>
-        </p:blipFill>
-        <p:spPr>
-          <a:xfrm>
-            <a:off x="3620340" y="-3150610"/>
-            <a:ext cx="8775700" cy="3048000"/>
-          </a:xfrm>
-          <a:prstGeom prst="rect">
-            <a:avLst/>
-          </a:prstGeom>
-        </p:spPr>
-      </p:pic>
-      <p:sp>
-        <p:nvSpPr>
-          <p:cNvPr id="3" name="Textfeld 2">
+      <p:sp>
+        <p:nvSpPr>
+          <p:cNvPr id="10" name="Textfeld 9">
             <a:extLst>
               <a:ext uri="{FF2B5EF4-FFF2-40B4-BE49-F238E27FC236}">
-                <a16:creationId xmlns:a16="http://schemas.microsoft.com/office/drawing/2014/main" id="{F1843FF8-12E6-4B09-8798-1EF8A214CDDE}"/>
+                <a16:creationId xmlns:a16="http://schemas.microsoft.com/office/drawing/2014/main" id="{55AEA795-DD77-4424-B08D-9484B9C50E95}"/>
               </a:ext>
             </a:extLst>
           </p:cNvPr>
@@ -10397,8 +10244,8 @@
         </p:nvSpPr>
         <p:spPr>
           <a:xfrm>
-            <a:off x="1162601" y="2606353"/>
-            <a:ext cx="2743200" cy="646331"/>
+            <a:off x="1102538" y="1925367"/>
+            <a:ext cx="4683407" cy="1938992"/>
           </a:xfrm>
           <a:prstGeom prst="rect">
             <a:avLst/>
@@ -10413,403 +10260,460 @@
           </a:bodyPr>
           <a:lstStyle/>
           <a:p>
-            <a:pPr algn="ctr"/>
-            <a:r>
-              <a:rPr lang="de-DE" dirty="0">
+            <a:pPr marL="285750" indent="-285750">
+              <a:buFontTx/>
+              <a:buChar char="-"/>
+            </a:pPr>
+            <a:r>
+              <a:rPr lang="de-DE" sz="2400" dirty="0">
                 <a:cs typeface="Calibri"/>
               </a:rPr>
-              <a:t>Formula </a:t>
-            </a:r>
-            <a:r>
-              <a:rPr lang="de-DE" dirty="0" err="1">
+              <a:t>Given genomes were used for (di)nucleotide handling</a:t>
+            </a:r>
+          </a:p>
+          <a:p>
+            <a:pPr marL="285750" indent="-285750">
+              <a:buFontTx/>
+              <a:buChar char="-"/>
+            </a:pPr>
+            <a:endParaRPr lang="de-DE" sz="2400" dirty="0">
+              <a:cs typeface="Calibri"/>
+            </a:endParaRPr>
+          </a:p>
+          <a:p>
+            <a:pPr marL="285750" indent="-285750">
+              <a:buFontTx/>
+              <a:buChar char="-"/>
+            </a:pPr>
+            <a:r>
+              <a:rPr lang="de-DE" sz="2400" dirty="0">
                 <a:cs typeface="Calibri"/>
               </a:rPr>
-              <a:t>for</a:t>
-            </a:r>
-            <a:r>
-              <a:rPr lang="de-DE" dirty="0">
-                <a:cs typeface="Calibri"/>
-              </a:rPr>
-              <a:t> </a:t>
-            </a:r>
-            <a:r>
-              <a:rPr lang="de-DE" dirty="0" err="1">
-                <a:cs typeface="Calibri"/>
-              </a:rPr>
-              <a:t>nucleotides</a:t>
-            </a:r>
-          </a:p>
-          <a:p>
-            <a:pPr algn="ctr"/>
-            <a:endParaRPr lang="de-DE" dirty="0">
-              <a:cs typeface="Calibri"/>
-            </a:endParaRPr>
+              <a:t>Predicted proteomes were used for (di)amino-acid handling</a:t>
+            </a:r>
           </a:p>
         </p:txBody>
       </p:sp>
-      <p:sp>
-        <p:nvSpPr>
-          <p:cNvPr id="7" name="Textfeld 6">
+      <mc:AlternateContent xmlns:mc="http://schemas.openxmlformats.org/markup-compatibility/2006">
+        <mc:Choice xmlns:a14="http://schemas.microsoft.com/office/drawing/2010/main" Requires="a14">
+          <p:sp>
+            <p:nvSpPr>
+              <p:cNvPr id="4" name="TextBox 3">
+                <a:extLst>
+                  <a:ext uri="{FF2B5EF4-FFF2-40B4-BE49-F238E27FC236}">
+                    <a16:creationId xmlns:a16="http://schemas.microsoft.com/office/drawing/2014/main" id="{1189993F-8568-443C-B3FD-83BBD6CA88C1}"/>
+                  </a:ext>
+                </a:extLst>
+              </p:cNvPr>
+              <p:cNvSpPr txBox="1"/>
+              <p:nvPr/>
+            </p:nvSpPr>
+            <p:spPr>
+              <a:xfrm>
+                <a:off x="5462406" y="1816825"/>
+                <a:ext cx="6653049" cy="629724"/>
+              </a:xfrm>
+              <a:prstGeom prst="rect">
+                <a:avLst/>
+              </a:prstGeom>
+              <a:noFill/>
+            </p:spPr>
+            <p:txBody>
+              <a:bodyPr wrap="square" lIns="0" tIns="0" rIns="0" bIns="0" rtlCol="0">
+                <a:spAutoFit/>
+              </a:bodyPr>
+              <a:lstStyle/>
+              <a:p>
+                <a14:m>
+                  <m:oMathPara xmlns:m="http://schemas.openxmlformats.org/officeDocument/2006/math">
+                    <m:oMathParaPr>
+                      <m:jc m:val="centerGroup"/>
+                    </m:oMathParaPr>
+                    <m:oMath xmlns:m="http://schemas.openxmlformats.org/officeDocument/2006/math">
+                      <m:r>
+                        <a:rPr lang="de-DE" sz="2000" b="0" i="1" smtClean="0">
+                          <a:latin typeface="Cambria Math" panose="02040503050406030204" pitchFamily="18" charset="0"/>
+                        </a:rPr>
+                        <m:t>𝐹𝑟𝑒𝑞𝑢𝑒𝑛𝑐𝑦</m:t>
+                      </m:r>
+                      <m:r>
+                        <a:rPr lang="de-DE" sz="2000" b="0" i="1" smtClean="0">
+                          <a:latin typeface="Cambria Math" panose="02040503050406030204" pitchFamily="18" charset="0"/>
+                        </a:rPr>
+                        <m:t>=</m:t>
+                      </m:r>
+                      <m:f>
+                        <m:fPr>
+                          <m:ctrlPr>
+                            <a:rPr lang="de-DE" sz="2000" b="0" i="1" smtClean="0">
+                              <a:latin typeface="Cambria Math" panose="02040503050406030204" pitchFamily="18" charset="0"/>
+                            </a:rPr>
+                          </m:ctrlPr>
+                        </m:fPr>
+                        <m:num>
+                          <m:r>
+                            <a:rPr lang="de-DE" sz="2000" b="0" i="1" smtClean="0">
+                              <a:latin typeface="Cambria Math" panose="02040503050406030204" pitchFamily="18" charset="0"/>
+                            </a:rPr>
+                            <m:t>𝑐𝑜𝑢𝑛𝑡</m:t>
+                          </m:r>
+                          <m:r>
+                            <a:rPr lang="de-DE" sz="2000" b="0" i="1" smtClean="0">
+                              <a:latin typeface="Cambria Math" panose="02040503050406030204" pitchFamily="18" charset="0"/>
+                            </a:rPr>
+                            <m:t>(</m:t>
+                          </m:r>
+                          <m:r>
+                            <a:rPr lang="de-DE" sz="2000" b="0" i="1" smtClean="0">
+                              <a:latin typeface="Cambria Math" panose="02040503050406030204" pitchFamily="18" charset="0"/>
+                            </a:rPr>
+                            <m:t>𝑛𝑢𝑐𝑙𝑒𝑜𝑡𝑖𝑑𝑒</m:t>
+                          </m:r>
+                          <m:r>
+                            <a:rPr lang="de-DE" sz="2000" b="0" i="1" smtClean="0">
+                              <a:latin typeface="Cambria Math" panose="02040503050406030204" pitchFamily="18" charset="0"/>
+                            </a:rPr>
+                            <m:t> </m:t>
+                          </m:r>
+                          <m:r>
+                            <a:rPr lang="de-DE" sz="2000" b="0" i="1" smtClean="0">
+                              <a:latin typeface="Cambria Math" panose="02040503050406030204" pitchFamily="18" charset="0"/>
+                            </a:rPr>
+                            <m:t>𝑜𝑟</m:t>
+                          </m:r>
+                          <m:r>
+                            <a:rPr lang="de-DE" sz="2000" b="0" i="1" smtClean="0">
+                              <a:latin typeface="Cambria Math" panose="02040503050406030204" pitchFamily="18" charset="0"/>
+                            </a:rPr>
+                            <m:t> </m:t>
+                          </m:r>
+                          <m:r>
+                            <a:rPr lang="de-DE" sz="2000" b="0" i="1" smtClean="0">
+                              <a:latin typeface="Cambria Math" panose="02040503050406030204" pitchFamily="18" charset="0"/>
+                            </a:rPr>
+                            <m:t>𝑎𝑚𝑖𝑛𝑜𝑎𝑐𝑖𝑑</m:t>
+                          </m:r>
+                          <m:r>
+                            <a:rPr lang="de-DE" sz="2000" b="0" i="1" smtClean="0">
+                              <a:latin typeface="Cambria Math" panose="02040503050406030204" pitchFamily="18" charset="0"/>
+                            </a:rPr>
+                            <m:t>)</m:t>
+                          </m:r>
+                        </m:num>
+                        <m:den>
+                          <m:r>
+                            <a:rPr lang="de-DE" sz="2000" b="0" i="1" smtClean="0">
+                              <a:latin typeface="Cambria Math" panose="02040503050406030204" pitchFamily="18" charset="0"/>
+                            </a:rPr>
+                            <m:t>𝑙𝑒𝑛</m:t>
+                          </m:r>
+                          <m:d>
+                            <m:dPr>
+                              <m:ctrlPr>
+                                <a:rPr lang="de-DE" sz="2000" b="0" i="1" smtClean="0">
+                                  <a:latin typeface="Cambria Math" panose="02040503050406030204" pitchFamily="18" charset="0"/>
+                                </a:rPr>
+                              </m:ctrlPr>
+                            </m:dPr>
+                            <m:e>
+                              <m:r>
+                                <a:rPr lang="de-DE" sz="2000" b="0" i="1" smtClean="0">
+                                  <a:latin typeface="Cambria Math" panose="02040503050406030204" pitchFamily="18" charset="0"/>
+                                </a:rPr>
+                                <m:t>𝑡𝑜𝑡𝑎𝑙</m:t>
+                              </m:r>
+                            </m:e>
+                          </m:d>
+                        </m:den>
+                      </m:f>
+                    </m:oMath>
+                  </m:oMathPara>
+                </a14:m>
+                <a:endParaRPr lang="de-DE" sz="2000" dirty="0"/>
+              </a:p>
+            </p:txBody>
+          </p:sp>
+        </mc:Choice>
+        <mc:Fallback>
+          <p:sp>
+            <p:nvSpPr>
+              <p:cNvPr id="4" name="TextBox 3">
+                <a:extLst>
+                  <a:ext uri="{FF2B5EF4-FFF2-40B4-BE49-F238E27FC236}">
+                    <a16:creationId xmlns:a16="http://schemas.microsoft.com/office/drawing/2014/main" id="{1189993F-8568-443C-B3FD-83BBD6CA88C1}"/>
+                  </a:ext>
+                </a:extLst>
+              </p:cNvPr>
+              <p:cNvSpPr txBox="1">
+                <a:spLocks noRot="1" noChangeAspect="1" noMove="1" noResize="1" noEditPoints="1" noAdjustHandles="1" noChangeArrowheads="1" noChangeShapeType="1" noTextEdit="1"/>
+              </p:cNvSpPr>
+              <p:nvPr/>
+            </p:nvSpPr>
+            <p:spPr>
+              <a:xfrm>
+                <a:off x="5462406" y="1816825"/>
+                <a:ext cx="6653049" cy="629724"/>
+              </a:xfrm>
+              <a:prstGeom prst="rect">
+                <a:avLst/>
+              </a:prstGeom>
+              <a:blipFill>
+                <a:blip r:embed="rId3"/>
+                <a:stretch>
+                  <a:fillRect/>
+                </a:stretch>
+              </a:blipFill>
+            </p:spPr>
+            <p:txBody>
+              <a:bodyPr/>
+              <a:lstStyle/>
+              <a:p>
+                <a:r>
+                  <a:rPr lang="de-DE">
+                    <a:noFill/>
+                  </a:rPr>
+                  <a:t> </a:t>
+                </a:r>
+              </a:p>
+            </p:txBody>
+          </p:sp>
+        </mc:Fallback>
+      </mc:AlternateContent>
+      <p:pic>
+        <p:nvPicPr>
+          <p:cNvPr id="13" name="Picture 12">
             <a:extLst>
               <a:ext uri="{FF2B5EF4-FFF2-40B4-BE49-F238E27FC236}">
-                <a16:creationId xmlns:a16="http://schemas.microsoft.com/office/drawing/2014/main" id="{161DC10D-D614-460E-AFC1-EE36F9F60B7C}"/>
+                <a16:creationId xmlns:a16="http://schemas.microsoft.com/office/drawing/2014/main" id="{2F2B156A-BF2D-42BA-BADE-2AED72B724C2}"/>
               </a:ext>
             </a:extLst>
           </p:cNvPr>
-          <p:cNvSpPr txBox="1"/>
+          <p:cNvPicPr>
+            <a:picLocks noChangeAspect="1"/>
+          </p:cNvPicPr>
           <p:nvPr/>
-        </p:nvSpPr>
+        </p:nvPicPr>
+        <p:blipFill rotWithShape="1">
+          <a:blip r:embed="rId4">
+            <a:extLst>
+              <a:ext uri="{BEBA8EAE-BF5A-486C-A8C5-ECC9F3942E4B}">
+                <a14:imgProps xmlns:a14="http://schemas.microsoft.com/office/drawing/2010/main">
+                  <a14:imgLayer r:embed="rId5">
+                    <a14:imgEffect>
+                      <a14:saturation sat="300000"/>
+                    </a14:imgEffect>
+                    <a14:imgEffect>
+                      <a14:brightnessContrast contrast="20000"/>
+                    </a14:imgEffect>
+                  </a14:imgLayer>
+                </a14:imgProps>
+              </a:ext>
+            </a:extLst>
+          </a:blip>
+          <a:srcRect l="905" t="55561" r="35086" b="20905"/>
+          <a:stretch/>
+        </p:blipFill>
         <p:spPr>
           <a:xfrm>
-            <a:off x="1313563" y="4094410"/>
-            <a:ext cx="2743200" cy="646331"/>
+            <a:off x="1102538" y="4067503"/>
+            <a:ext cx="10251262" cy="2119081"/>
           </a:xfrm>
           <a:prstGeom prst="rect">
             <a:avLst/>
           </a:prstGeom>
         </p:spPr>
-        <p:txBody>
-          <a:bodyPr rot="0" spcFirstLastPara="0" vertOverflow="overflow" horzOverflow="overflow" vert="horz" wrap="square" lIns="91440" tIns="45720" rIns="91440" bIns="45720" numCol="1" spcCol="0" rtlCol="0" fromWordArt="0" anchor="t" anchorCtr="0" forceAA="0" compatLnSpc="1">
-            <a:prstTxWarp prst="textNoShape">
-              <a:avLst/>
-            </a:prstTxWarp>
-            <a:spAutoFit/>
-          </a:bodyPr>
-          <a:lstStyle/>
-          <a:p>
-            <a:pPr algn="ctr"/>
-            <a:r>
-              <a:rPr lang="de-DE" dirty="0">
-                <a:cs typeface="Calibri"/>
-              </a:rPr>
-              <a:t>Formula </a:t>
-            </a:r>
-            <a:r>
-              <a:rPr lang="de-DE" dirty="0" err="1">
-                <a:cs typeface="Calibri"/>
-              </a:rPr>
-              <a:t>for</a:t>
-            </a:r>
-            <a:r>
-              <a:rPr lang="de-DE" dirty="0">
-                <a:cs typeface="Calibri"/>
-              </a:rPr>
-              <a:t> </a:t>
-            </a:r>
-            <a:r>
-              <a:rPr lang="de-DE" dirty="0" err="1">
-                <a:cs typeface="Calibri"/>
-              </a:rPr>
-              <a:t>dinucleotides</a:t>
-            </a:r>
-          </a:p>
-          <a:p>
-            <a:pPr algn="ctr"/>
-            <a:endParaRPr lang="de-DE" dirty="0">
-              <a:cs typeface="Calibri"/>
-            </a:endParaRPr>
-          </a:p>
-        </p:txBody>
-      </p:sp>
-      <p:sp>
-        <p:nvSpPr>
-          <p:cNvPr id="8" name="Textfeld 7">
-            <a:extLst>
-              <a:ext uri="{FF2B5EF4-FFF2-40B4-BE49-F238E27FC236}">
-                <a16:creationId xmlns:a16="http://schemas.microsoft.com/office/drawing/2014/main" id="{01CA078B-4379-4B9E-8DBB-E627D30B4EF9}"/>
-              </a:ext>
-            </a:extLst>
-          </p:cNvPr>
-          <p:cNvSpPr txBox="1"/>
-          <p:nvPr/>
-        </p:nvSpPr>
-        <p:spPr>
-          <a:xfrm>
-            <a:off x="6316882" y="2290050"/>
-            <a:ext cx="2743200" cy="646331"/>
-          </a:xfrm>
-          <a:prstGeom prst="rect">
-            <a:avLst/>
-          </a:prstGeom>
-        </p:spPr>
-        <p:txBody>
-          <a:bodyPr rot="0" spcFirstLastPara="0" vertOverflow="overflow" horzOverflow="overflow" vert="horz" wrap="square" lIns="91440" tIns="45720" rIns="91440" bIns="45720" numCol="1" spcCol="0" rtlCol="0" fromWordArt="0" anchor="t" anchorCtr="0" forceAA="0" compatLnSpc="1">
-            <a:prstTxWarp prst="textNoShape">
-              <a:avLst/>
-            </a:prstTxWarp>
-            <a:spAutoFit/>
-          </a:bodyPr>
-          <a:lstStyle/>
-          <a:p>
-            <a:pPr algn="ctr"/>
-            <a:r>
-              <a:rPr lang="de-DE" dirty="0">
-                <a:cs typeface="Calibri"/>
-              </a:rPr>
-              <a:t>Formula </a:t>
-            </a:r>
-            <a:r>
-              <a:rPr lang="de-DE" dirty="0" err="1">
-                <a:cs typeface="Calibri"/>
-              </a:rPr>
-              <a:t>for</a:t>
-            </a:r>
-            <a:r>
-              <a:rPr lang="de-DE" dirty="0">
-                <a:cs typeface="Calibri"/>
-              </a:rPr>
-              <a:t> </a:t>
-            </a:r>
-            <a:r>
-              <a:rPr lang="de-DE" dirty="0" err="1">
-                <a:cs typeface="Calibri"/>
-              </a:rPr>
-              <a:t>amino</a:t>
-            </a:r>
-            <a:r>
-              <a:rPr lang="de-DE" dirty="0">
-                <a:cs typeface="Calibri"/>
-              </a:rPr>
-              <a:t> </a:t>
-            </a:r>
-            <a:r>
-              <a:rPr lang="de-DE" dirty="0" err="1">
-                <a:cs typeface="Calibri"/>
-              </a:rPr>
-              <a:t>acids</a:t>
-            </a:r>
-          </a:p>
-          <a:p>
-            <a:pPr algn="ctr"/>
-            <a:endParaRPr lang="de-DE" dirty="0">
-              <a:cs typeface="Calibri"/>
-            </a:endParaRPr>
-          </a:p>
-        </p:txBody>
-      </p:sp>
-      <p:sp>
-        <p:nvSpPr>
-          <p:cNvPr id="9" name="Textfeld 8">
-            <a:extLst>
-              <a:ext uri="{FF2B5EF4-FFF2-40B4-BE49-F238E27FC236}">
-                <a16:creationId xmlns:a16="http://schemas.microsoft.com/office/drawing/2014/main" id="{1ADE1A16-5158-4089-A662-B987A3EE412E}"/>
-              </a:ext>
-            </a:extLst>
-          </p:cNvPr>
-          <p:cNvSpPr txBox="1"/>
-          <p:nvPr/>
-        </p:nvSpPr>
-        <p:spPr>
-          <a:xfrm>
-            <a:off x="6709514" y="2989444"/>
-            <a:ext cx="3602181" cy="923330"/>
-          </a:xfrm>
-          <a:prstGeom prst="rect">
-            <a:avLst/>
-          </a:prstGeom>
-        </p:spPr>
-        <p:txBody>
-          <a:bodyPr rot="0" spcFirstLastPara="0" vertOverflow="overflow" horzOverflow="overflow" vert="horz" wrap="square" lIns="91440" tIns="45720" rIns="91440" bIns="45720" numCol="1" spcCol="0" rtlCol="0" fromWordArt="0" anchor="t" anchorCtr="0" forceAA="0" compatLnSpc="1">
-            <a:prstTxWarp prst="textNoShape">
-              <a:avLst/>
-            </a:prstTxWarp>
-            <a:spAutoFit/>
-          </a:bodyPr>
-          <a:lstStyle/>
-          <a:p>
-            <a:pPr algn="ctr"/>
-            <a:r>
-              <a:rPr lang="de-DE" dirty="0">
-                <a:cs typeface="Calibri"/>
-              </a:rPr>
-              <a:t>Formula </a:t>
-            </a:r>
-            <a:r>
-              <a:rPr lang="de-DE" dirty="0" err="1">
-                <a:cs typeface="Calibri"/>
-              </a:rPr>
-              <a:t>for</a:t>
-            </a:r>
-            <a:r>
-              <a:rPr lang="de-DE" dirty="0">
-                <a:cs typeface="Calibri"/>
-              </a:rPr>
-              <a:t> di </a:t>
-            </a:r>
-            <a:r>
-              <a:rPr lang="de-DE" dirty="0" err="1">
-                <a:cs typeface="Calibri"/>
-              </a:rPr>
-              <a:t>amino</a:t>
-            </a:r>
-            <a:r>
-              <a:rPr lang="de-DE" dirty="0">
-                <a:cs typeface="Calibri"/>
-              </a:rPr>
-              <a:t> </a:t>
-            </a:r>
-            <a:r>
-              <a:rPr lang="de-DE" dirty="0" err="1">
-                <a:cs typeface="Calibri"/>
-              </a:rPr>
-              <a:t>acids</a:t>
-            </a:r>
-          </a:p>
-          <a:p>
-            <a:pPr algn="ctr"/>
-            <a:r>
-              <a:rPr lang="de-DE" dirty="0" err="1">
-                <a:cs typeface="Calibri"/>
-              </a:rPr>
-              <a:t>listofone</a:t>
-            </a:r>
-            <a:r>
-              <a:rPr lang="de-DE" dirty="0">
-                <a:cs typeface="Calibri"/>
-              </a:rPr>
-              <a:t>=[(</a:t>
-            </a:r>
-            <a:r>
-              <a:rPr lang="de-DE" dirty="0" err="1">
-                <a:cs typeface="Calibri"/>
-              </a:rPr>
-              <a:t>s.count</a:t>
-            </a:r>
-            <a:r>
-              <a:rPr lang="de-DE" dirty="0">
-                <a:cs typeface="Calibri"/>
-              </a:rPr>
-              <a:t>(</a:t>
-            </a:r>
-            <a:r>
-              <a:rPr lang="de-DE" dirty="0" err="1">
-                <a:cs typeface="Calibri"/>
-              </a:rPr>
-              <a:t>str</a:t>
-            </a:r>
-            <a:r>
-              <a:rPr lang="de-DE" dirty="0">
-                <a:cs typeface="Calibri"/>
-              </a:rPr>
-              <a:t>(a)+</a:t>
-            </a:r>
-            <a:r>
-              <a:rPr lang="de-DE" dirty="0" err="1">
-                <a:cs typeface="Calibri"/>
-              </a:rPr>
-              <a:t>str</a:t>
-            </a:r>
-            <a:r>
-              <a:rPr lang="de-DE" dirty="0">
-                <a:cs typeface="Calibri"/>
-              </a:rPr>
-              <a:t>(b)))/</a:t>
-            </a:r>
-            <a:r>
-              <a:rPr lang="de-DE" dirty="0" err="1">
-                <a:cs typeface="Calibri"/>
-              </a:rPr>
-              <a:t>len</a:t>
-            </a:r>
-            <a:r>
-              <a:rPr lang="de-DE" dirty="0">
-                <a:cs typeface="Calibri"/>
-              </a:rPr>
-              <a:t>(s) </a:t>
-            </a:r>
-            <a:r>
-              <a:rPr lang="de-DE" dirty="0" err="1">
-                <a:cs typeface="Calibri"/>
-              </a:rPr>
-              <a:t>for</a:t>
-            </a:r>
-            <a:r>
-              <a:rPr lang="de-DE" dirty="0">
-                <a:cs typeface="Calibri"/>
-              </a:rPr>
-              <a:t> a in </a:t>
-            </a:r>
-            <a:r>
-              <a:rPr lang="de-DE" dirty="0" err="1">
-                <a:cs typeface="Calibri"/>
-              </a:rPr>
-              <a:t>sett</a:t>
-            </a:r>
-            <a:r>
-              <a:rPr lang="de-DE" dirty="0">
-                <a:cs typeface="Calibri"/>
-              </a:rPr>
-              <a:t> </a:t>
-            </a:r>
-            <a:r>
-              <a:rPr lang="de-DE" dirty="0" err="1">
-                <a:cs typeface="Calibri"/>
-              </a:rPr>
-              <a:t>for</a:t>
-            </a:r>
-            <a:r>
-              <a:rPr lang="de-DE" dirty="0">
-                <a:cs typeface="Calibri"/>
-              </a:rPr>
-              <a:t> b in </a:t>
-            </a:r>
-            <a:r>
-              <a:rPr lang="de-DE" dirty="0" err="1">
-                <a:cs typeface="Calibri"/>
-              </a:rPr>
-              <a:t>sett</a:t>
-            </a:r>
-            <a:r>
-              <a:rPr lang="de-DE" dirty="0">
-                <a:cs typeface="Calibri"/>
-              </a:rPr>
-              <a:t>]</a:t>
-            </a:r>
-            <a:endParaRPr lang="de-DE" dirty="0"/>
-          </a:p>
-        </p:txBody>
-      </p:sp>
-      <p:sp>
-        <p:nvSpPr>
-          <p:cNvPr id="10" name="Textfeld 9">
-            <a:extLst>
-              <a:ext uri="{FF2B5EF4-FFF2-40B4-BE49-F238E27FC236}">
-                <a16:creationId xmlns:a16="http://schemas.microsoft.com/office/drawing/2014/main" id="{55AEA795-DD77-4424-B08D-9484B9C50E95}"/>
-              </a:ext>
-            </a:extLst>
-          </p:cNvPr>
-          <p:cNvSpPr txBox="1"/>
-          <p:nvPr/>
-        </p:nvSpPr>
-        <p:spPr>
-          <a:xfrm>
-            <a:off x="4282483" y="4842031"/>
-            <a:ext cx="2743200" cy="369332"/>
-          </a:xfrm>
-          <a:prstGeom prst="rect">
-            <a:avLst/>
-          </a:prstGeom>
-        </p:spPr>
-        <p:txBody>
-          <a:bodyPr rot="0" spcFirstLastPara="0" vertOverflow="overflow" horzOverflow="overflow" vert="horz" wrap="square" lIns="91440" tIns="45720" rIns="91440" bIns="45720" numCol="1" spcCol="0" rtlCol="0" fromWordArt="0" anchor="t" anchorCtr="0" forceAA="0" compatLnSpc="1">
-            <a:prstTxWarp prst="textNoShape">
-              <a:avLst/>
-            </a:prstTxWarp>
-            <a:spAutoFit/>
-          </a:bodyPr>
-          <a:lstStyle/>
-          <a:p>
-            <a:pPr algn="ctr"/>
-            <a:r>
-              <a:rPr lang="de-DE" dirty="0">
-                <a:cs typeface="Calibri"/>
-              </a:rPr>
-              <a:t>AGCGCGAGCG</a:t>
-            </a:r>
-            <a:endParaRPr lang="de-DE" dirty="0"/>
-          </a:p>
-        </p:txBody>
-      </p:sp>
+      </p:pic>
+      <mc:AlternateContent xmlns:mc="http://schemas.openxmlformats.org/markup-compatibility/2006">
+        <mc:Choice xmlns:a14="http://schemas.microsoft.com/office/drawing/2010/main" Requires="a14">
+          <p:sp>
+            <p:nvSpPr>
+              <p:cNvPr id="14" name="TextBox 13">
+                <a:extLst>
+                  <a:ext uri="{FF2B5EF4-FFF2-40B4-BE49-F238E27FC236}">
+                    <a16:creationId xmlns:a16="http://schemas.microsoft.com/office/drawing/2014/main" id="{09E008F6-AEE6-4242-8FEB-2FDA7292449B}"/>
+                  </a:ext>
+                </a:extLst>
+              </p:cNvPr>
+              <p:cNvSpPr txBox="1"/>
+              <p:nvPr/>
+            </p:nvSpPr>
+            <p:spPr>
+              <a:xfrm>
+                <a:off x="5376041" y="2996780"/>
+                <a:ext cx="6415874" cy="629724"/>
+              </a:xfrm>
+              <a:prstGeom prst="rect">
+                <a:avLst/>
+              </a:prstGeom>
+              <a:noFill/>
+            </p:spPr>
+            <p:txBody>
+              <a:bodyPr wrap="square" lIns="0" tIns="0" rIns="0" bIns="0" rtlCol="0">
+                <a:spAutoFit/>
+              </a:bodyPr>
+              <a:lstStyle/>
+              <a:p>
+                <a14:m>
+                  <m:oMathPara xmlns:m="http://schemas.openxmlformats.org/officeDocument/2006/math">
+                    <m:oMathParaPr>
+                      <m:jc m:val="centerGroup"/>
+                    </m:oMathParaPr>
+                    <m:oMath xmlns:m="http://schemas.openxmlformats.org/officeDocument/2006/math">
+                      <m:r>
+                        <a:rPr lang="de-DE" sz="2000" b="0" i="1" smtClean="0">
+                          <a:latin typeface="Cambria Math" panose="02040503050406030204" pitchFamily="18" charset="0"/>
+                        </a:rPr>
+                        <m:t>𝐹𝑟𝑒𝑞𝑢𝑒𝑛𝑐𝑦</m:t>
+                      </m:r>
+                      <m:r>
+                        <a:rPr lang="de-DE" sz="2000" b="0" i="1" smtClean="0">
+                          <a:latin typeface="Cambria Math" panose="02040503050406030204" pitchFamily="18" charset="0"/>
+                        </a:rPr>
+                        <m:t>=</m:t>
+                      </m:r>
+                      <m:f>
+                        <m:fPr>
+                          <m:ctrlPr>
+                            <a:rPr lang="de-DE" sz="2000" b="0" i="1" smtClean="0">
+                              <a:latin typeface="Cambria Math" panose="02040503050406030204" pitchFamily="18" charset="0"/>
+                            </a:rPr>
+                          </m:ctrlPr>
+                        </m:fPr>
+                        <m:num>
+                          <m:r>
+                            <a:rPr lang="de-DE" sz="2000" b="0" i="1" smtClean="0">
+                              <a:latin typeface="Cambria Math" panose="02040503050406030204" pitchFamily="18" charset="0"/>
+                            </a:rPr>
+                            <m:t>𝑐𝑜𝑢𝑛𝑡</m:t>
+                          </m:r>
+                          <m:r>
+                            <a:rPr lang="de-DE" sz="2000" b="0" i="1" smtClean="0">
+                              <a:latin typeface="Cambria Math" panose="02040503050406030204" pitchFamily="18" charset="0"/>
+                            </a:rPr>
+                            <m:t>(</m:t>
+                          </m:r>
+                          <m:r>
+                            <a:rPr lang="de-DE" sz="2000" b="0" i="1" smtClean="0">
+                              <a:latin typeface="Cambria Math" panose="02040503050406030204" pitchFamily="18" charset="0"/>
+                            </a:rPr>
+                            <m:t>𝑑𝑖𝑛𝑢𝑐𝑙</m:t>
+                          </m:r>
+                          <m:r>
+                            <a:rPr lang="de-DE" sz="2000" b="0" i="1" smtClean="0">
+                              <a:latin typeface="Cambria Math" panose="02040503050406030204" pitchFamily="18" charset="0"/>
+                            </a:rPr>
+                            <m:t>. </m:t>
+                          </m:r>
+                          <m:r>
+                            <a:rPr lang="de-DE" sz="2000" b="0" i="1" smtClean="0">
+                              <a:latin typeface="Cambria Math" panose="02040503050406030204" pitchFamily="18" charset="0"/>
+                            </a:rPr>
+                            <m:t>𝑜𝑟</m:t>
+                          </m:r>
+                          <m:r>
+                            <a:rPr lang="de-DE" sz="2000" b="0" i="1" smtClean="0">
+                              <a:latin typeface="Cambria Math" panose="02040503050406030204" pitchFamily="18" charset="0"/>
+                            </a:rPr>
+                            <m:t> </m:t>
+                          </m:r>
+                          <m:r>
+                            <a:rPr lang="de-DE" sz="2000" b="0" i="1" smtClean="0">
+                              <a:latin typeface="Cambria Math" panose="02040503050406030204" pitchFamily="18" charset="0"/>
+                            </a:rPr>
+                            <m:t>𝑑𝑖𝑎𝑚𝑖𝑛𝑜𝑎</m:t>
+                          </m:r>
+                          <m:r>
+                            <a:rPr lang="de-DE" sz="2000" b="0" i="1" smtClean="0">
+                              <a:latin typeface="Cambria Math" panose="02040503050406030204" pitchFamily="18" charset="0"/>
+                            </a:rPr>
+                            <m:t>.)</m:t>
+                          </m:r>
+                        </m:num>
+                        <m:den>
+                          <m:r>
+                            <a:rPr lang="de-DE" sz="2000" b="0" i="1" smtClean="0">
+                              <a:latin typeface="Cambria Math" panose="02040503050406030204" pitchFamily="18" charset="0"/>
+                            </a:rPr>
+                            <m:t>𝑙𝑒𝑛</m:t>
+                          </m:r>
+                          <m:d>
+                            <m:dPr>
+                              <m:ctrlPr>
+                                <a:rPr lang="de-DE" sz="2000" b="0" i="1" smtClean="0">
+                                  <a:latin typeface="Cambria Math" panose="02040503050406030204" pitchFamily="18" charset="0"/>
+                                </a:rPr>
+                              </m:ctrlPr>
+                            </m:dPr>
+                            <m:e>
+                              <m:r>
+                                <a:rPr lang="de-DE" sz="2000" b="0" i="1" smtClean="0">
+                                  <a:latin typeface="Cambria Math" panose="02040503050406030204" pitchFamily="18" charset="0"/>
+                                </a:rPr>
+                                <m:t>𝑡𝑜𝑡𝑎𝑙</m:t>
+                              </m:r>
+                            </m:e>
+                          </m:d>
+                          <m:r>
+                            <a:rPr lang="de-DE" sz="2000" b="0" i="1" smtClean="0">
+                              <a:latin typeface="Cambria Math" panose="02040503050406030204" pitchFamily="18" charset="0"/>
+                            </a:rPr>
+                            <m:t>−1</m:t>
+                          </m:r>
+                        </m:den>
+                      </m:f>
+                    </m:oMath>
+                  </m:oMathPara>
+                </a14:m>
+                <a:endParaRPr lang="de-DE" sz="2000" dirty="0"/>
+              </a:p>
+            </p:txBody>
+          </p:sp>
+        </mc:Choice>
+        <mc:Fallback>
+          <p:sp>
+            <p:nvSpPr>
+              <p:cNvPr id="14" name="TextBox 13">
+                <a:extLst>
+                  <a:ext uri="{FF2B5EF4-FFF2-40B4-BE49-F238E27FC236}">
+                    <a16:creationId xmlns:a16="http://schemas.microsoft.com/office/drawing/2014/main" id="{09E008F6-AEE6-4242-8FEB-2FDA7292449B}"/>
+                  </a:ext>
+                </a:extLst>
+              </p:cNvPr>
+              <p:cNvSpPr txBox="1">
+                <a:spLocks noRot="1" noChangeAspect="1" noMove="1" noResize="1" noEditPoints="1" noAdjustHandles="1" noChangeArrowheads="1" noChangeShapeType="1" noTextEdit="1"/>
+              </p:cNvSpPr>
+              <p:nvPr/>
+            </p:nvSpPr>
+            <p:spPr>
+              <a:xfrm>
+                <a:off x="5376041" y="2996780"/>
+                <a:ext cx="6415874" cy="629724"/>
+              </a:xfrm>
+              <a:prstGeom prst="rect">
+                <a:avLst/>
+              </a:prstGeom>
+              <a:blipFill>
+                <a:blip r:embed="rId6"/>
+                <a:stretch>
+                  <a:fillRect/>
+                </a:stretch>
+              </a:blipFill>
+            </p:spPr>
+            <p:txBody>
+              <a:bodyPr/>
+              <a:lstStyle/>
+              <a:p>
+                <a:r>
+                  <a:rPr lang="de-DE">
+                    <a:noFill/>
+                  </a:rPr>
+                  <a:t> </a:t>
+                </a:r>
+              </a:p>
+            </p:txBody>
+          </p:sp>
+        </mc:Fallback>
+      </mc:AlternateContent>
     </p:spTree>
     <p:extLst>
       <p:ext uri="{BB962C8B-B14F-4D97-AF65-F5344CB8AC3E}">
@@ -11028,13 +10932,33 @@
             <p:ph idx="1"/>
           </p:nvPr>
         </p:nvSpPr>
-        <p:spPr/>
+        <p:spPr>
+          <a:xfrm>
+            <a:off x="838200" y="2808605"/>
+            <a:ext cx="7094220" cy="3546475"/>
+          </a:xfrm>
+        </p:spPr>
         <p:txBody>
           <a:bodyPr vert="horz" lIns="91440" tIns="45720" rIns="91440" bIns="45720" rtlCol="0" anchor="t">
             <a:normAutofit/>
           </a:bodyPr>
           <a:lstStyle/>
           <a:p>
+            <a:pPr marL="0" indent="0">
+              <a:buNone/>
+            </a:pPr>
+            <a:endParaRPr lang="en-US" dirty="0"/>
+          </a:p>
+          <a:p>
+            <a:pPr marL="0" indent="0">
+              <a:buNone/>
+            </a:pPr>
+            <a:endParaRPr lang="en-US" dirty="0"/>
+          </a:p>
+          <a:p>
+            <a:pPr marL="0" indent="0">
+              <a:buNone/>
+            </a:pPr>
             <a:r>
               <a:rPr lang="en-US" dirty="0"/>
               <a:t>Principles of algorithm:</a:t>
@@ -11044,14 +10968,7 @@
             <a:pPr lvl="1"/>
             <a:r>
               <a:rPr lang="en-US" dirty="0"/>
-              <a:t>Stretch of DNA flanked by start &amp; end codons</a:t>
-            </a:r>
-          </a:p>
-          <a:p>
-            <a:pPr lvl="1"/>
-            <a:r>
-              <a:rPr lang="en-US" dirty="0"/>
-              <a:t>6 reading frames, 3 per strand</a:t>
+              <a:t>ORF: from start- to stop-codon</a:t>
             </a:r>
           </a:p>
           <a:p>
@@ -11065,18 +10982,47 @@
             <a:pPr lvl="1"/>
             <a:r>
               <a:rPr lang="en-US" dirty="0"/>
-              <a:t>Eukaryotic ORFs between 100 to 1500bp</a:t>
+              <a:t>Eukaryotic ORFs between 100 and 1500bp</a:t>
             </a:r>
           </a:p>
           <a:p>
             <a:pPr lvl="1"/>
             <a:r>
               <a:rPr lang="en-US" dirty="0"/>
-              <a:t>Overlap removal using nested for loops</a:t>
+              <a:t>Overlap removal using nested for-loops</a:t>
             </a:r>
           </a:p>
         </p:txBody>
       </p:sp>
+      <p:pic>
+        <p:nvPicPr>
+          <p:cNvPr id="5" name="Picture 4">
+            <a:extLst>
+              <a:ext uri="{FF2B5EF4-FFF2-40B4-BE49-F238E27FC236}">
+                <a16:creationId xmlns:a16="http://schemas.microsoft.com/office/drawing/2014/main" id="{EC1AD1EE-2242-4D1D-91CD-78F3B2C70BC9}"/>
+              </a:ext>
+            </a:extLst>
+          </p:cNvPr>
+          <p:cNvPicPr>
+            <a:picLocks noChangeAspect="1"/>
+          </p:cNvPicPr>
+          <p:nvPr/>
+        </p:nvPicPr>
+        <p:blipFill rotWithShape="1">
+          <a:blip r:embed="rId3"/>
+          <a:srcRect l="1035" t="28725" r="37026" b="26655"/>
+          <a:stretch/>
+        </p:blipFill>
+        <p:spPr>
+          <a:xfrm>
+            <a:off x="4930139" y="902529"/>
+            <a:ext cx="6652261" cy="2694235"/>
+          </a:xfrm>
+          <a:prstGeom prst="rect">
+            <a:avLst/>
+          </a:prstGeom>
+        </p:spPr>
+      </p:pic>
     </p:spTree>
     <p:extLst>
       <p:ext uri="{BB962C8B-B14F-4D97-AF65-F5344CB8AC3E}">
@@ -11131,28 +11077,28 @@
       </p:sp>
       <p:pic>
         <p:nvPicPr>
-          <p:cNvPr id="6" name="Picture 5"/>
+          <p:cNvPr id="8" name="Picture 7">
+            <a:extLst>
+              <a:ext uri="{FF2B5EF4-FFF2-40B4-BE49-F238E27FC236}">
+                <a16:creationId xmlns:a16="http://schemas.microsoft.com/office/drawing/2014/main" id="{1FCCC0D0-42A3-40FF-AF7C-1C1726721FBA}"/>
+              </a:ext>
+            </a:extLst>
+          </p:cNvPr>
           <p:cNvPicPr>
             <a:picLocks noChangeAspect="1"/>
           </p:cNvPicPr>
           <p:nvPr/>
         </p:nvPicPr>
         <p:blipFill>
-          <a:blip r:embed="rId3">
-            <a:extLst>
-              <a:ext uri="{28A0092B-C50C-407E-A947-70E740481C1C}">
-                <a14:useLocalDpi xmlns:a14="http://schemas.microsoft.com/office/drawing/2010/main" val="0"/>
-              </a:ext>
-            </a:extLst>
-          </a:blip>
+          <a:blip r:embed="rId3"/>
           <a:stretch>
             <a:fillRect/>
           </a:stretch>
         </p:blipFill>
         <p:spPr>
           <a:xfrm>
-            <a:off x="2569457" y="1989975"/>
-            <a:ext cx="6853586" cy="3529676"/>
+            <a:off x="-715548" y="1690688"/>
+            <a:ext cx="12069348" cy="3874539"/>
           </a:xfrm>
           <a:prstGeom prst="rect">
             <a:avLst/>
@@ -11261,8 +11207,8 @@
         </p:blipFill>
         <p:spPr>
           <a:xfrm>
-            <a:off x="3804849" y="3256670"/>
-            <a:ext cx="4582302" cy="1489248"/>
+            <a:off x="1132489" y="3419245"/>
+            <a:ext cx="6469118" cy="2102463"/>
           </a:xfrm>
           <a:prstGeom prst="rect">
             <a:avLst/>
@@ -11341,7 +11287,7 @@
         </p:xfrm>
         <a:graphic>
           <a:graphicData uri="http://schemas.openxmlformats.org/drawingml/2006/chart">
-            <c:chart xmlns:c="http://schemas.openxmlformats.org/drawingml/2006/chart" xmlns:r="http://schemas.openxmlformats.org/officeDocument/2006/relationships" r:id="rId2"/>
+            <c:chart xmlns:c="http://schemas.openxmlformats.org/drawingml/2006/chart" xmlns:r="http://schemas.openxmlformats.org/officeDocument/2006/relationships" r:id="rId3"/>
           </a:graphicData>
         </a:graphic>
       </p:graphicFrame>

--- a/final_project/präsi_max.pptx
+++ b/final_project/präsi_max.pptx
@@ -4560,7 +4560,7 @@
           <a:p>
             <a:fld id="{DC6CB997-03F9-5D48-8EE8-06D0938C0F78}" type="datetimeFigureOut">
               <a:rPr lang="en-US" smtClean="0"/>
-              <a:t>5/31/2018</a:t>
+              <a:t>6/1/2018</a:t>
             </a:fld>
             <a:endParaRPr lang="en-US"/>
           </a:p>
@@ -5692,7 +5692,58 @@
           <a:p>
             <a:r>
               <a:rPr lang="en-US" dirty="0"/>
-              <a:t>M</a:t>
+              <a:t>For the ORF-finder we used the basic assumption of that an ORF starts at a start codon and ends at a stop codon</a:t>
+            </a:r>
+          </a:p>
+          <a:p>
+            <a:r>
+              <a:rPr lang="en-US" dirty="0"/>
+              <a:t>The Prokaryotic ORFs were limited by size in a way that they had to be at least 300 </a:t>
+            </a:r>
+            <a:r>
+              <a:rPr lang="en-US" dirty="0" err="1"/>
+              <a:t>bp</a:t>
+            </a:r>
+            <a:r>
+              <a:rPr lang="en-US" dirty="0"/>
+              <a:t> long, which we found in a paper</a:t>
+            </a:r>
+          </a:p>
+          <a:p>
+            <a:r>
+              <a:rPr lang="en-US" dirty="0"/>
+              <a:t>The eukaryotic genome (which was basically only the S. cerevisiae) was limited by size between 100 </a:t>
+            </a:r>
+            <a:r>
+              <a:rPr lang="en-US" dirty="0" err="1"/>
+              <a:t>bp</a:t>
+            </a:r>
+            <a:r>
+              <a:rPr lang="en-US" dirty="0"/>
+              <a:t> and 1500 </a:t>
+            </a:r>
+            <a:r>
+              <a:rPr lang="en-US" dirty="0" err="1"/>
+              <a:t>bp.</a:t>
+            </a:r>
+            <a:endParaRPr lang="en-US" dirty="0"/>
+          </a:p>
+          <a:p>
+            <a:r>
+              <a:rPr lang="en-US" dirty="0"/>
+              <a:t>We applied three different reading frames for the template strand and three for the reverse strand.</a:t>
+            </a:r>
+          </a:p>
+          <a:p>
+            <a:r>
+              <a:rPr lang="en-US" dirty="0"/>
+              <a:t>We removed the overlaps with using nested for loops, so that always the longer sequence was taken, as it is more probable to be the actual gene.</a:t>
+            </a:r>
+          </a:p>
+          <a:p>
+            <a:r>
+              <a:rPr lang="en-US" dirty="0"/>
+              <a:t>The obtained ORFs were in 5` to 3´ direction</a:t>
             </a:r>
           </a:p>
         </p:txBody>
@@ -5779,11 +5830,14 @@
           <a:p>
             <a:r>
               <a:rPr lang="en-US" dirty="0"/>
-              <a:t>M</a:t>
-            </a:r>
-          </a:p>
-          <a:p>
-            <a:endParaRPr lang="en-US" dirty="0"/>
+              <a:t>Here are the results obtained from the ORF-finder.</a:t>
+            </a:r>
+          </a:p>
+          <a:p>
+            <a:r>
+              <a:rPr lang="en-US" dirty="0"/>
+              <a:t>We compared the results with the counted genes from Practical 1 derived from NCBI-BLAST</a:t>
+            </a:r>
           </a:p>
           <a:p>
             <a:r>
@@ -5792,7 +5846,15 @@
             </a:r>
             <a:r>
               <a:rPr lang="en-US" baseline="0" dirty="0"/>
-              <a:t> different numbers from our ORF finder as compared to the reference (NCBI BLAST)</a:t>
+              <a:t> different numbers from our ORF finder as compared to the reference (NCBI BLAST), although there are some similarities for the </a:t>
+            </a:r>
+            <a:r>
+              <a:rPr lang="en-US" baseline="0" dirty="0" err="1"/>
+              <a:t>L.gelidium</a:t>
+            </a:r>
+            <a:r>
+              <a:rPr lang="en-US" baseline="0" dirty="0"/>
+              <a:t> (44) for example.</a:t>
             </a:r>
           </a:p>
           <a:p>
@@ -5882,16 +5944,71 @@
           <a:p>
             <a:r>
               <a:rPr lang="en-US" dirty="0"/>
-              <a:t>M</a:t>
-            </a:r>
-          </a:p>
-          <a:p>
-            <a:endParaRPr lang="en-US" dirty="0"/>
+              <a:t>To assess the performance of the ORF-predictor, the F1-score was calculated for each genome. </a:t>
+            </a:r>
           </a:p>
           <a:p>
             <a:r>
               <a:rPr lang="en-US" dirty="0"/>
-              <a:t>No True Negative due to database not including true negative references.</a:t>
+              <a:t>For that, the proteomes were downloaded from </a:t>
+            </a:r>
+            <a:r>
+              <a:rPr lang="en-US" dirty="0" err="1"/>
+              <a:t>Uniprot</a:t>
+            </a:r>
+            <a:r>
+              <a:rPr lang="en-US" dirty="0"/>
+              <a:t> as reference.</a:t>
+            </a:r>
+          </a:p>
+          <a:p>
+            <a:r>
+              <a:rPr lang="en-US" dirty="0"/>
+              <a:t>Then the nucleotide </a:t>
+            </a:r>
+            <a:r>
+              <a:rPr lang="en-US" dirty="0" err="1"/>
+              <a:t>orfs</a:t>
+            </a:r>
+            <a:r>
+              <a:rPr lang="en-US" dirty="0"/>
+              <a:t> were translated with </a:t>
+            </a:r>
+            <a:r>
+              <a:rPr lang="en-US" dirty="0" err="1"/>
+              <a:t>Biopython</a:t>
+            </a:r>
+            <a:r>
+              <a:rPr lang="en-US" dirty="0"/>
+              <a:t> into amino-acid sequences to fasta format.</a:t>
+            </a:r>
+          </a:p>
+          <a:p>
+            <a:r>
+              <a:rPr lang="en-US" dirty="0"/>
+              <a:t>Then the True positives, the false </a:t>
+            </a:r>
+            <a:r>
+              <a:rPr lang="en-US" dirty="0" err="1"/>
+              <a:t>postives</a:t>
+            </a:r>
+            <a:r>
+              <a:rPr lang="en-US" dirty="0"/>
+              <a:t> and the false negatives could be calculated and with that the precision, recall and finally the f1-score.</a:t>
+            </a:r>
+          </a:p>
+          <a:p>
+            <a:r>
+              <a:rPr lang="en-US" dirty="0"/>
+              <a:t>The example from file 44 (</a:t>
+            </a:r>
+            <a:r>
+              <a:rPr lang="en-US" dirty="0" err="1"/>
+              <a:t>Leuconostoc</a:t>
+            </a:r>
+            <a:r>
+              <a:rPr lang="en-US" dirty="0"/>
+              <a:t> gelidum) showed an actually good F1score with 0.7202</a:t>
             </a:r>
           </a:p>
         </p:txBody>
@@ -5978,8 +6095,21 @@
           <a:p>
             <a:r>
               <a:rPr lang="de-DE" dirty="0"/>
-              <a:t>M</a:t>
-            </a:r>
+              <a:t>Here are the general results of the ORFpredictor derived from the F1-score:</a:t>
+            </a:r>
+          </a:p>
+          <a:p>
+            <a:r>
+              <a:rPr lang="de-DE" dirty="0"/>
+              <a:t>AS you can see, genome 16 and 47 have the worst f1-score, whereas genome 20 and 44 are the best. The f1 score for the eukaryotic genome (29) is with 0.30</a:t>
+            </a:r>
+          </a:p>
+          <a:p>
+            <a:r>
+              <a:rPr lang="de-DE"/>
+              <a:t>Further there are some improvements possible</a:t>
+            </a:r>
+            <a:endParaRPr lang="de-DE" dirty="0"/>
           </a:p>
         </p:txBody>
       </p:sp>
@@ -6148,7 +6278,7 @@
           <a:p>
             <a:fld id="{E6024525-F660-6242-835B-A5CC9B20C834}" type="datetimeFigureOut">
               <a:rPr lang="en-US" smtClean="0"/>
-              <a:t>5/31/2018</a:t>
+              <a:t>6/1/2018</a:t>
             </a:fld>
             <a:endParaRPr lang="en-US"/>
           </a:p>
@@ -6316,7 +6446,7 @@
           <a:p>
             <a:fld id="{E6024525-F660-6242-835B-A5CC9B20C834}" type="datetimeFigureOut">
               <a:rPr lang="en-US" smtClean="0"/>
-              <a:t>5/31/2018</a:t>
+              <a:t>6/1/2018</a:t>
             </a:fld>
             <a:endParaRPr lang="en-US"/>
           </a:p>
@@ -6494,7 +6624,7 @@
           <a:p>
             <a:fld id="{E6024525-F660-6242-835B-A5CC9B20C834}" type="datetimeFigureOut">
               <a:rPr lang="en-US" smtClean="0"/>
-              <a:t>5/31/2018</a:t>
+              <a:t>6/1/2018</a:t>
             </a:fld>
             <a:endParaRPr lang="en-US"/>
           </a:p>
@@ -6662,7 +6792,7 @@
           <a:p>
             <a:fld id="{E6024525-F660-6242-835B-A5CC9B20C834}" type="datetimeFigureOut">
               <a:rPr lang="en-US" smtClean="0"/>
-              <a:t>5/31/2018</a:t>
+              <a:t>6/1/2018</a:t>
             </a:fld>
             <a:endParaRPr lang="en-US"/>
           </a:p>
@@ -6907,7 +7037,7 @@
           <a:p>
             <a:fld id="{E6024525-F660-6242-835B-A5CC9B20C834}" type="datetimeFigureOut">
               <a:rPr lang="en-US" smtClean="0"/>
-              <a:t>5/31/2018</a:t>
+              <a:t>6/1/2018</a:t>
             </a:fld>
             <a:endParaRPr lang="en-US"/>
           </a:p>
@@ -7136,7 +7266,7 @@
           <a:p>
             <a:fld id="{E6024525-F660-6242-835B-A5CC9B20C834}" type="datetimeFigureOut">
               <a:rPr lang="en-US" smtClean="0"/>
-              <a:t>5/31/2018</a:t>
+              <a:t>6/1/2018</a:t>
             </a:fld>
             <a:endParaRPr lang="en-US"/>
           </a:p>
@@ -7500,7 +7630,7 @@
           <a:p>
             <a:fld id="{E6024525-F660-6242-835B-A5CC9B20C834}" type="datetimeFigureOut">
               <a:rPr lang="en-US" smtClean="0"/>
-              <a:t>5/31/2018</a:t>
+              <a:t>6/1/2018</a:t>
             </a:fld>
             <a:endParaRPr lang="en-US"/>
           </a:p>
@@ -7617,7 +7747,7 @@
           <a:p>
             <a:fld id="{E6024525-F660-6242-835B-A5CC9B20C834}" type="datetimeFigureOut">
               <a:rPr lang="en-US" smtClean="0"/>
-              <a:t>5/31/2018</a:t>
+              <a:t>6/1/2018</a:t>
             </a:fld>
             <a:endParaRPr lang="en-US"/>
           </a:p>
@@ -7712,7 +7842,7 @@
           <a:p>
             <a:fld id="{E6024525-F660-6242-835B-A5CC9B20C834}" type="datetimeFigureOut">
               <a:rPr lang="en-US" smtClean="0"/>
-              <a:t>5/31/2018</a:t>
+              <a:t>6/1/2018</a:t>
             </a:fld>
             <a:endParaRPr lang="en-US"/>
           </a:p>
@@ -7987,7 +8117,7 @@
           <a:p>
             <a:fld id="{E6024525-F660-6242-835B-A5CC9B20C834}" type="datetimeFigureOut">
               <a:rPr lang="en-US" smtClean="0"/>
-              <a:t>5/31/2018</a:t>
+              <a:t>6/1/2018</a:t>
             </a:fld>
             <a:endParaRPr lang="en-US"/>
           </a:p>
@@ -8239,7 +8369,7 @@
           <a:p>
             <a:fld id="{E6024525-F660-6242-835B-A5CC9B20C834}" type="datetimeFigureOut">
               <a:rPr lang="en-US" smtClean="0"/>
-              <a:t>5/31/2018</a:t>
+              <a:t>6/1/2018</a:t>
             </a:fld>
             <a:endParaRPr lang="en-US"/>
           </a:p>
@@ -8454,7 +8584,7 @@
             <a:fld id="{E6024525-F660-6242-835B-A5CC9B20C834}" type="datetimeFigureOut">
               <a:rPr lang="en-US" smtClean="0"/>
               <a:pPr/>
-              <a:t>5/31/2018</a:t>
+              <a:t>6/1/2018</a:t>
             </a:fld>
             <a:endParaRPr lang="en-US"/>
           </a:p>
@@ -10294,8 +10424,8 @@
           </a:p>
         </p:txBody>
       </p:sp>
-      <mc:AlternateContent xmlns:mc="http://schemas.openxmlformats.org/markup-compatibility/2006">
-        <mc:Choice xmlns:a14="http://schemas.microsoft.com/office/drawing/2010/main" Requires="a14">
+      <mc:AlternateContent xmlns:mc="http://schemas.openxmlformats.org/markup-compatibility/2006" xmlns:a14="http://schemas.microsoft.com/office/drawing/2010/main">
+        <mc:Choice Requires="a14">
           <p:sp>
             <p:nvSpPr>
               <p:cNvPr id="4" name="TextBox 3">
@@ -10324,6 +10454,7 @@
               </a:bodyPr>
               <a:lstStyle/>
               <a:p>
+                <a:pPr/>
                 <a14:m>
                   <m:oMathPara xmlns:m="http://schemas.openxmlformats.org/officeDocument/2006/math">
                     <m:oMathParaPr>
@@ -10434,7 +10565,7 @@
             </p:txBody>
           </p:sp>
         </mc:Choice>
-        <mc:Fallback>
+        <mc:Fallback xmlns="">
           <p:sp>
             <p:nvSpPr>
               <p:cNvPr id="4" name="TextBox 3">
@@ -10523,8 +10654,8 @@
           </a:prstGeom>
         </p:spPr>
       </p:pic>
-      <mc:AlternateContent xmlns:mc="http://schemas.openxmlformats.org/markup-compatibility/2006">
-        <mc:Choice xmlns:a14="http://schemas.microsoft.com/office/drawing/2010/main" Requires="a14">
+      <mc:AlternateContent xmlns:mc="http://schemas.openxmlformats.org/markup-compatibility/2006" xmlns:a14="http://schemas.microsoft.com/office/drawing/2010/main">
+        <mc:Choice Requires="a14">
           <p:sp>
             <p:nvSpPr>
               <p:cNvPr id="14" name="TextBox 13">
@@ -10553,6 +10684,7 @@
               </a:bodyPr>
               <a:lstStyle/>
               <a:p>
+                <a:pPr/>
                 <a14:m>
                   <m:oMathPara xmlns:m="http://schemas.openxmlformats.org/officeDocument/2006/math">
                     <m:oMathParaPr>
@@ -10669,7 +10801,7 @@
             </p:txBody>
           </p:sp>
         </mc:Choice>
-        <mc:Fallback>
+        <mc:Fallback xmlns="">
           <p:sp>
             <p:nvSpPr>
               <p:cNvPr id="14" name="TextBox 13">
@@ -10935,7 +11067,7 @@
         <p:spPr>
           <a:xfrm>
             <a:off x="838200" y="2808605"/>
-            <a:ext cx="7094220" cy="3546475"/>
+            <a:ext cx="9151620" cy="3546475"/>
           </a:xfrm>
         </p:spPr>
         <p:txBody>
@@ -10968,7 +11100,7 @@
             <a:pPr lvl="1"/>
             <a:r>
               <a:rPr lang="en-US" dirty="0"/>
-              <a:t>ORF: from start- to stop-codon</a:t>
+              <a:t>ORF: from start- to stop-codon (ATG  :  TAG,TAA,TGA)</a:t>
             </a:r>
           </a:p>
           <a:p>
@@ -10983,6 +11115,13 @@
             <a:r>
               <a:rPr lang="en-US" dirty="0"/>
               <a:t>Eukaryotic ORFs between 100 and 1500bp</a:t>
+            </a:r>
+          </a:p>
+          <a:p>
+            <a:pPr lvl="1"/>
+            <a:r>
+              <a:rPr lang="en-US" dirty="0"/>
+              <a:t>6 different reading frames</a:t>
             </a:r>
           </a:p>
           <a:p>
@@ -11145,15 +11284,21 @@
             <p:ph type="title"/>
           </p:nvPr>
         </p:nvSpPr>
-        <p:spPr/>
+        <p:spPr>
+          <a:xfrm>
+            <a:off x="838200" y="365125"/>
+            <a:ext cx="10515600" cy="1325563"/>
+          </a:xfrm>
+        </p:spPr>
         <p:txBody>
           <a:bodyPr/>
           <a:lstStyle/>
           <a:p>
             <a:r>
-              <a:rPr lang="en-US" dirty="0"/>
+              <a:rPr lang="en-US"/>
               <a:t>Performance analysis</a:t>
             </a:r>
+            <a:endParaRPr lang="en-US" dirty="0"/>
           </a:p>
         </p:txBody>
       </p:sp>
@@ -11167,48 +11312,1389 @@
             <p:ph idx="1"/>
           </p:nvPr>
         </p:nvSpPr>
-        <p:spPr/>
+        <p:spPr>
+          <a:xfrm>
+            <a:off x="838200" y="1536701"/>
+            <a:ext cx="10515600" cy="4640262"/>
+          </a:xfrm>
+        </p:spPr>
         <p:txBody>
           <a:bodyPr/>
           <a:lstStyle/>
           <a:p>
+            <a:pPr marL="0" indent="0">
+              <a:buNone/>
+            </a:pPr>
             <a:r>
               <a:rPr lang="en-US" dirty="0"/>
+              <a:t>Performance was assessed with the F1-score:</a:t>
+            </a:r>
+          </a:p>
+          <a:p>
+            <a:endParaRPr lang="en-US" dirty="0"/>
+          </a:p>
+          <a:p>
+            <a:endParaRPr lang="en-US" dirty="0"/>
+          </a:p>
+          <a:p>
+            <a:endParaRPr lang="en-US" dirty="0"/>
+          </a:p>
+          <a:p>
+            <a:pPr marL="0" indent="0">
+              <a:buNone/>
+            </a:pPr>
+            <a:endParaRPr lang="en-US" dirty="0"/>
+          </a:p>
+          <a:p>
+            <a:pPr marL="0" indent="0">
+              <a:buNone/>
+            </a:pPr>
+            <a:endParaRPr lang="en-US" sz="2400" dirty="0"/>
+          </a:p>
+          <a:p>
+            <a:pPr marL="0" indent="0">
+              <a:buNone/>
+            </a:pPr>
+            <a:r>
+              <a:rPr lang="en-US" sz="2400" dirty="0"/>
               <a:t>Example: 44.fa.txt (</a:t>
             </a:r>
             <a:r>
-              <a:rPr lang="en-US" i="1" dirty="0"/>
-              <a:t>L. </a:t>
-            </a:r>
-            <a:r>
-              <a:rPr lang="en-US" i="1" dirty="0" err="1"/>
-              <a:t>gelidum</a:t>
-            </a:r>
-            <a:r>
-              <a:rPr lang="en-US" dirty="0"/>
+              <a:rPr lang="en-US" sz="2400" i="1" dirty="0"/>
+              <a:t>L. gelidum</a:t>
+            </a:r>
+            <a:r>
+              <a:rPr lang="en-US" sz="2400" dirty="0"/>
               <a:t>)</a:t>
             </a:r>
           </a:p>
         </p:txBody>
       </p:sp>
+      <p:graphicFrame>
+        <p:nvGraphicFramePr>
+          <p:cNvPr id="6" name="Table 5">
+            <a:extLst>
+              <a:ext uri="{FF2B5EF4-FFF2-40B4-BE49-F238E27FC236}">
+                <a16:creationId xmlns:a16="http://schemas.microsoft.com/office/drawing/2014/main" id="{C57EE867-36CE-4AB2-9285-FE8510A2B38C}"/>
+              </a:ext>
+            </a:extLst>
+          </p:cNvPr>
+          <p:cNvGraphicFramePr>
+            <a:graphicFrameLocks noGrp="1"/>
+          </p:cNvGraphicFramePr>
+          <p:nvPr>
+            <p:extLst>
+              <p:ext uri="{D42A27DB-BD31-4B8C-83A1-F6EECF244321}">
+                <p14:modId xmlns:p14="http://schemas.microsoft.com/office/powerpoint/2010/main" val="2328526055"/>
+              </p:ext>
+            </p:extLst>
+          </p:nvPr>
+        </p:nvGraphicFramePr>
+        <p:xfrm>
+          <a:off x="4945380" y="3848020"/>
+          <a:ext cx="6637019" cy="2120802"/>
+        </p:xfrm>
+        <a:graphic>
+          <a:graphicData uri="http://schemas.openxmlformats.org/drawingml/2006/table">
+            <a:tbl>
+              <a:tblPr firstRow="1" firstCol="1" bandRow="1"/>
+              <a:tblGrid>
+                <a:gridCol w="1313861">
+                  <a:extLst>
+                    <a:ext uri="{9D8B030D-6E8A-4147-A177-3AD203B41FA5}">
+                      <a16:colId xmlns:a16="http://schemas.microsoft.com/office/drawing/2014/main" val="2269438876"/>
+                    </a:ext>
+                  </a:extLst>
+                </a:gridCol>
+                <a:gridCol w="1045025">
+                  <a:extLst>
+                    <a:ext uri="{9D8B030D-6E8A-4147-A177-3AD203B41FA5}">
+                      <a16:colId xmlns:a16="http://schemas.microsoft.com/office/drawing/2014/main" val="1723215391"/>
+                    </a:ext>
+                  </a:extLst>
+                </a:gridCol>
+                <a:gridCol w="985395">
+                  <a:extLst>
+                    <a:ext uri="{9D8B030D-6E8A-4147-A177-3AD203B41FA5}">
+                      <a16:colId xmlns:a16="http://schemas.microsoft.com/office/drawing/2014/main" val="2056162789"/>
+                    </a:ext>
+                  </a:extLst>
+                </a:gridCol>
+                <a:gridCol w="1347213">
+                  <a:extLst>
+                    <a:ext uri="{9D8B030D-6E8A-4147-A177-3AD203B41FA5}">
+                      <a16:colId xmlns:a16="http://schemas.microsoft.com/office/drawing/2014/main" val="548079545"/>
+                    </a:ext>
+                  </a:extLst>
+                </a:gridCol>
+                <a:gridCol w="1049008">
+                  <a:extLst>
+                    <a:ext uri="{9D8B030D-6E8A-4147-A177-3AD203B41FA5}">
+                      <a16:colId xmlns:a16="http://schemas.microsoft.com/office/drawing/2014/main" val="1133555725"/>
+                    </a:ext>
+                  </a:extLst>
+                </a:gridCol>
+                <a:gridCol w="896517">
+                  <a:extLst>
+                    <a:ext uri="{9D8B030D-6E8A-4147-A177-3AD203B41FA5}">
+                      <a16:colId xmlns:a16="http://schemas.microsoft.com/office/drawing/2014/main" val="2650540201"/>
+                    </a:ext>
+                  </a:extLst>
+                </a:gridCol>
+              </a:tblGrid>
+              <a:tr h="755511">
+                <a:tc>
+                  <a:txBody>
+                    <a:bodyPr/>
+                    <a:lstStyle/>
+                    <a:p>
+                      <a:pPr algn="ctr"/>
+                      <a:endParaRPr lang="de-DE" sz="1200" dirty="0">
+                        <a:effectLst/>
+                        <a:latin typeface="Times New Roman" panose="02020603050405020304" pitchFamily="18" charset="0"/>
+                        <a:cs typeface="Times New Roman" panose="02020603050405020304" pitchFamily="18" charset="0"/>
+                      </a:endParaRPr>
+                    </a:p>
+                  </a:txBody>
+                  <a:tcPr marL="68580" marR="68580" marT="0" marB="0" anchor="b">
+                    <a:lnL>
+                      <a:noFill/>
+                    </a:lnL>
+                    <a:lnR>
+                      <a:noFill/>
+                    </a:lnR>
+                    <a:lnT>
+                      <a:noFill/>
+                    </a:lnT>
+                    <a:lnB>
+                      <a:noFill/>
+                    </a:lnB>
+                  </a:tcPr>
+                </a:tc>
+                <a:tc>
+                  <a:txBody>
+                    <a:bodyPr/>
+                    <a:lstStyle/>
+                    <a:p>
+                      <a:pPr algn="ctr"/>
+                      <a:endParaRPr lang="de-DE" sz="1200">
+                        <a:effectLst/>
+                        <a:latin typeface="Times New Roman" panose="02020603050405020304" pitchFamily="18" charset="0"/>
+                        <a:cs typeface="Times New Roman" panose="02020603050405020304" pitchFamily="18" charset="0"/>
+                      </a:endParaRPr>
+                    </a:p>
+                  </a:txBody>
+                  <a:tcPr marL="68580" marR="68580" marT="0" marB="0" anchor="b">
+                    <a:lnL>
+                      <a:noFill/>
+                    </a:lnL>
+                    <a:lnR w="12700" cap="flat" cmpd="sng" algn="ctr">
+                      <a:solidFill>
+                        <a:srgbClr val="000000"/>
+                      </a:solidFill>
+                      <a:prstDash val="solid"/>
+                      <a:round/>
+                      <a:headEnd type="none" w="med" len="med"/>
+                      <a:tailEnd type="none" w="med" len="med"/>
+                    </a:lnR>
+                    <a:lnT>
+                      <a:noFill/>
+                    </a:lnT>
+                    <a:lnB w="12700" cap="flat" cmpd="sng" algn="ctr">
+                      <a:solidFill>
+                        <a:srgbClr val="000000"/>
+                      </a:solidFill>
+                      <a:prstDash val="solid"/>
+                      <a:round/>
+                      <a:headEnd type="none" w="med" len="med"/>
+                      <a:tailEnd type="none" w="med" len="med"/>
+                    </a:lnB>
+                  </a:tcPr>
+                </a:tc>
+                <a:tc gridSpan="2">
+                  <a:txBody>
+                    <a:bodyPr/>
+                    <a:lstStyle/>
+                    <a:p>
+                      <a:pPr algn="ctr">
+                        <a:spcAft>
+                          <a:spcPts val="0"/>
+                        </a:spcAft>
+                      </a:pPr>
+                      <a:r>
+                        <a:rPr lang="en-GB" sz="1800">
+                          <a:solidFill>
+                            <a:srgbClr val="000000"/>
+                          </a:solidFill>
+                          <a:effectLst/>
+                          <a:latin typeface="Calibri" panose="020F0502020204030204" pitchFamily="34" charset="0"/>
+                          <a:ea typeface="Times New Roman" panose="02020603050405020304" pitchFamily="18" charset="0"/>
+                          <a:cs typeface="Times New Roman" panose="02020603050405020304" pitchFamily="18" charset="0"/>
+                        </a:rPr>
+                        <a:t>Predicted Class</a:t>
+                      </a:r>
+                      <a:endParaRPr lang="de-DE" sz="1200" dirty="0">
+                        <a:effectLst/>
+                        <a:latin typeface="Times New Roman" panose="02020603050405020304" pitchFamily="18" charset="0"/>
+                        <a:ea typeface="DengXian" panose="02010600030101010101" pitchFamily="2" charset="-122"/>
+                        <a:cs typeface="Times New Roman" panose="02020603050405020304" pitchFamily="18" charset="0"/>
+                      </a:endParaRPr>
+                    </a:p>
+                  </a:txBody>
+                  <a:tcPr marL="68580" marR="68580" marT="0" marB="0" anchor="b">
+                    <a:lnL w="12700" cap="flat" cmpd="sng" algn="ctr">
+                      <a:solidFill>
+                        <a:srgbClr val="000000"/>
+                      </a:solidFill>
+                      <a:prstDash val="solid"/>
+                      <a:round/>
+                      <a:headEnd type="none" w="med" len="med"/>
+                      <a:tailEnd type="none" w="med" len="med"/>
+                    </a:lnL>
+                    <a:lnR w="12700" cap="flat" cmpd="sng" algn="ctr">
+                      <a:solidFill>
+                        <a:srgbClr val="000000"/>
+                      </a:solidFill>
+                      <a:prstDash val="solid"/>
+                      <a:round/>
+                      <a:headEnd type="none" w="med" len="med"/>
+                      <a:tailEnd type="none" w="med" len="med"/>
+                    </a:lnR>
+                    <a:lnT w="12700" cap="flat" cmpd="sng" algn="ctr">
+                      <a:solidFill>
+                        <a:srgbClr val="000000"/>
+                      </a:solidFill>
+                      <a:prstDash val="solid"/>
+                      <a:round/>
+                      <a:headEnd type="none" w="med" len="med"/>
+                      <a:tailEnd type="none" w="med" len="med"/>
+                    </a:lnT>
+                    <a:lnB w="12700" cap="flat" cmpd="sng" algn="ctr">
+                      <a:solidFill>
+                        <a:srgbClr val="000000"/>
+                      </a:solidFill>
+                      <a:prstDash val="solid"/>
+                      <a:round/>
+                      <a:headEnd type="none" w="med" len="med"/>
+                      <a:tailEnd type="none" w="med" len="med"/>
+                    </a:lnB>
+                    <a:solidFill>
+                      <a:srgbClr val="D9E1F2"/>
+                    </a:solidFill>
+                  </a:tcPr>
+                </a:tc>
+                <a:tc hMerge="1">
+                  <a:txBody>
+                    <a:bodyPr/>
+                    <a:lstStyle/>
+                    <a:p>
+                      <a:endParaRPr lang="de-DE"/>
+                    </a:p>
+                  </a:txBody>
+                  <a:tcPr/>
+                </a:tc>
+                <a:tc>
+                  <a:txBody>
+                    <a:bodyPr/>
+                    <a:lstStyle/>
+                    <a:p>
+                      <a:pPr algn="ctr">
+                        <a:spcAft>
+                          <a:spcPts val="0"/>
+                        </a:spcAft>
+                      </a:pPr>
+                      <a:r>
+                        <a:rPr lang="en-GB" sz="1800" b="1">
+                          <a:solidFill>
+                            <a:srgbClr val="000000"/>
+                          </a:solidFill>
+                          <a:effectLst/>
+                          <a:latin typeface="Calibri" panose="020F0502020204030204" pitchFamily="34" charset="0"/>
+                          <a:ea typeface="Times New Roman" panose="02020603050405020304" pitchFamily="18" charset="0"/>
+                          <a:cs typeface="Times New Roman" panose="02020603050405020304" pitchFamily="18" charset="0"/>
+                        </a:rPr>
+                        <a:t>F1-score</a:t>
+                      </a:r>
+                      <a:endParaRPr lang="de-DE" sz="1200">
+                        <a:effectLst/>
+                        <a:latin typeface="Times New Roman" panose="02020603050405020304" pitchFamily="18" charset="0"/>
+                        <a:ea typeface="DengXian" panose="02010600030101010101" pitchFamily="2" charset="-122"/>
+                        <a:cs typeface="Times New Roman" panose="02020603050405020304" pitchFamily="18" charset="0"/>
+                      </a:endParaRPr>
+                    </a:p>
+                  </a:txBody>
+                  <a:tcPr marL="68580" marR="68580" marT="0" marB="0" anchor="b">
+                    <a:lnL w="12700" cap="flat" cmpd="sng" algn="ctr">
+                      <a:solidFill>
+                        <a:srgbClr val="000000"/>
+                      </a:solidFill>
+                      <a:prstDash val="solid"/>
+                      <a:round/>
+                      <a:headEnd type="none" w="med" len="med"/>
+                      <a:tailEnd type="none" w="med" len="med"/>
+                    </a:lnL>
+                    <a:lnR>
+                      <a:noFill/>
+                    </a:lnR>
+                    <a:lnT>
+                      <a:noFill/>
+                    </a:lnT>
+                    <a:lnB>
+                      <a:noFill/>
+                    </a:lnB>
+                  </a:tcPr>
+                </a:tc>
+                <a:tc>
+                  <a:txBody>
+                    <a:bodyPr/>
+                    <a:lstStyle/>
+                    <a:p>
+                      <a:pPr algn="ctr">
+                        <a:spcAft>
+                          <a:spcPts val="0"/>
+                        </a:spcAft>
+                      </a:pPr>
+                      <a:r>
+                        <a:rPr lang="en-GB" sz="1800">
+                          <a:solidFill>
+                            <a:srgbClr val="000000"/>
+                          </a:solidFill>
+                          <a:effectLst/>
+                          <a:latin typeface="Calibri" panose="020F0502020204030204" pitchFamily="34" charset="0"/>
+                          <a:ea typeface="Times New Roman" panose="02020603050405020304" pitchFamily="18" charset="0"/>
+                          <a:cs typeface="Times New Roman" panose="02020603050405020304" pitchFamily="18" charset="0"/>
+                        </a:rPr>
+                        <a:t>0.7202</a:t>
+                      </a:r>
+                      <a:endParaRPr lang="de-DE" sz="1200">
+                        <a:effectLst/>
+                        <a:latin typeface="Times New Roman" panose="02020603050405020304" pitchFamily="18" charset="0"/>
+                        <a:ea typeface="DengXian" panose="02010600030101010101" pitchFamily="2" charset="-122"/>
+                        <a:cs typeface="Times New Roman" panose="02020603050405020304" pitchFamily="18" charset="0"/>
+                      </a:endParaRPr>
+                    </a:p>
+                  </a:txBody>
+                  <a:tcPr marL="68580" marR="68580" marT="0" marB="0" anchor="b">
+                    <a:lnL>
+                      <a:noFill/>
+                    </a:lnL>
+                    <a:lnR>
+                      <a:noFill/>
+                    </a:lnR>
+                    <a:lnT>
+                      <a:noFill/>
+                    </a:lnT>
+                    <a:lnB>
+                      <a:noFill/>
+                    </a:lnB>
+                    <a:solidFill>
+                      <a:srgbClr val="FFD966"/>
+                    </a:solidFill>
+                  </a:tcPr>
+                </a:tc>
+                <a:extLst>
+                  <a:ext uri="{0D108BD9-81ED-4DB2-BD59-A6C34878D82A}">
+                    <a16:rowId xmlns:a16="http://schemas.microsoft.com/office/drawing/2014/main" val="343342573"/>
+                  </a:ext>
+                </a:extLst>
+              </a:tr>
+              <a:tr h="455097">
+                <a:tc>
+                  <a:txBody>
+                    <a:bodyPr/>
+                    <a:lstStyle/>
+                    <a:p>
+                      <a:pPr algn="ctr"/>
+                      <a:endParaRPr lang="de-DE" sz="1200">
+                        <a:effectLst/>
+                        <a:latin typeface="Times New Roman" panose="02020603050405020304" pitchFamily="18" charset="0"/>
+                        <a:cs typeface="Times New Roman" panose="02020603050405020304" pitchFamily="18" charset="0"/>
+                      </a:endParaRPr>
+                    </a:p>
+                  </a:txBody>
+                  <a:tcPr marL="68580" marR="68580" marT="0" marB="0" anchor="b">
+                    <a:lnL>
+                      <a:noFill/>
+                    </a:lnL>
+                    <a:lnR w="12700" cap="flat" cmpd="sng" algn="ctr">
+                      <a:solidFill>
+                        <a:srgbClr val="000000"/>
+                      </a:solidFill>
+                      <a:prstDash val="solid"/>
+                      <a:round/>
+                      <a:headEnd type="none" w="med" len="med"/>
+                      <a:tailEnd type="none" w="med" len="med"/>
+                    </a:lnR>
+                    <a:lnT>
+                      <a:noFill/>
+                    </a:lnT>
+                    <a:lnB w="12700" cap="flat" cmpd="sng" algn="ctr">
+                      <a:solidFill>
+                        <a:srgbClr val="000000"/>
+                      </a:solidFill>
+                      <a:prstDash val="solid"/>
+                      <a:round/>
+                      <a:headEnd type="none" w="med" len="med"/>
+                      <a:tailEnd type="none" w="med" len="med"/>
+                    </a:lnB>
+                  </a:tcPr>
+                </a:tc>
+                <a:tc>
+                  <a:txBody>
+                    <a:bodyPr/>
+                    <a:lstStyle/>
+                    <a:p>
+                      <a:pPr algn="ctr">
+                        <a:spcAft>
+                          <a:spcPts val="0"/>
+                        </a:spcAft>
+                      </a:pPr>
+                      <a:r>
+                        <a:rPr lang="en-GB" sz="1800">
+                          <a:solidFill>
+                            <a:srgbClr val="000000"/>
+                          </a:solidFill>
+                          <a:effectLst/>
+                          <a:latin typeface="Calibri" panose="020F0502020204030204" pitchFamily="34" charset="0"/>
+                          <a:ea typeface="Times New Roman" panose="02020603050405020304" pitchFamily="18" charset="0"/>
+                          <a:cs typeface="Times New Roman" panose="02020603050405020304" pitchFamily="18" charset="0"/>
+                        </a:rPr>
+                        <a:t>44.fa.txt</a:t>
+                      </a:r>
+                      <a:endParaRPr lang="de-DE" sz="1200" dirty="0">
+                        <a:effectLst/>
+                        <a:latin typeface="Times New Roman" panose="02020603050405020304" pitchFamily="18" charset="0"/>
+                        <a:ea typeface="DengXian" panose="02010600030101010101" pitchFamily="2" charset="-122"/>
+                        <a:cs typeface="Times New Roman" panose="02020603050405020304" pitchFamily="18" charset="0"/>
+                      </a:endParaRPr>
+                    </a:p>
+                  </a:txBody>
+                  <a:tcPr marL="68580" marR="68580" marT="0" marB="0" anchor="b">
+                    <a:lnL w="12700" cap="flat" cmpd="sng" algn="ctr">
+                      <a:solidFill>
+                        <a:srgbClr val="000000"/>
+                      </a:solidFill>
+                      <a:prstDash val="solid"/>
+                      <a:round/>
+                      <a:headEnd type="none" w="med" len="med"/>
+                      <a:tailEnd type="none" w="med" len="med"/>
+                    </a:lnL>
+                    <a:lnR w="12700" cap="flat" cmpd="sng" algn="ctr">
+                      <a:solidFill>
+                        <a:srgbClr val="000000"/>
+                      </a:solidFill>
+                      <a:prstDash val="solid"/>
+                      <a:round/>
+                      <a:headEnd type="none" w="med" len="med"/>
+                      <a:tailEnd type="none" w="med" len="med"/>
+                    </a:lnR>
+                    <a:lnT w="12700" cap="flat" cmpd="sng" algn="ctr">
+                      <a:solidFill>
+                        <a:srgbClr val="000000"/>
+                      </a:solidFill>
+                      <a:prstDash val="solid"/>
+                      <a:round/>
+                      <a:headEnd type="none" w="med" len="med"/>
+                      <a:tailEnd type="none" w="med" len="med"/>
+                    </a:lnT>
+                    <a:lnB w="12700" cap="flat" cmpd="sng" algn="ctr">
+                      <a:solidFill>
+                        <a:srgbClr val="000000"/>
+                      </a:solidFill>
+                      <a:prstDash val="solid"/>
+                      <a:round/>
+                      <a:headEnd type="none" w="med" len="med"/>
+                      <a:tailEnd type="none" w="med" len="med"/>
+                    </a:lnB>
+                  </a:tcPr>
+                </a:tc>
+                <a:tc>
+                  <a:txBody>
+                    <a:bodyPr/>
+                    <a:lstStyle/>
+                    <a:p>
+                      <a:pPr algn="ctr">
+                        <a:spcAft>
+                          <a:spcPts val="0"/>
+                        </a:spcAft>
+                      </a:pPr>
+                      <a:r>
+                        <a:rPr lang="en-GB" sz="1800">
+                          <a:solidFill>
+                            <a:srgbClr val="000000"/>
+                          </a:solidFill>
+                          <a:effectLst/>
+                          <a:latin typeface="Calibri" panose="020F0502020204030204" pitchFamily="34" charset="0"/>
+                          <a:ea typeface="Times New Roman" panose="02020603050405020304" pitchFamily="18" charset="0"/>
+                          <a:cs typeface="Times New Roman" panose="02020603050405020304" pitchFamily="18" charset="0"/>
+                        </a:rPr>
+                        <a:t>P</a:t>
+                      </a:r>
+                      <a:endParaRPr lang="de-DE" sz="1200">
+                        <a:effectLst/>
+                        <a:latin typeface="Times New Roman" panose="02020603050405020304" pitchFamily="18" charset="0"/>
+                        <a:ea typeface="DengXian" panose="02010600030101010101" pitchFamily="2" charset="-122"/>
+                        <a:cs typeface="Times New Roman" panose="02020603050405020304" pitchFamily="18" charset="0"/>
+                      </a:endParaRPr>
+                    </a:p>
+                  </a:txBody>
+                  <a:tcPr marL="68580" marR="68580" marT="0" marB="0" anchor="b">
+                    <a:lnL w="12700" cap="flat" cmpd="sng" algn="ctr">
+                      <a:solidFill>
+                        <a:srgbClr val="000000"/>
+                      </a:solidFill>
+                      <a:prstDash val="solid"/>
+                      <a:round/>
+                      <a:headEnd type="none" w="med" len="med"/>
+                      <a:tailEnd type="none" w="med" len="med"/>
+                    </a:lnL>
+                    <a:lnR w="12700" cap="flat" cmpd="sng" algn="ctr">
+                      <a:solidFill>
+                        <a:srgbClr val="000000"/>
+                      </a:solidFill>
+                      <a:prstDash val="solid"/>
+                      <a:round/>
+                      <a:headEnd type="none" w="med" len="med"/>
+                      <a:tailEnd type="none" w="med" len="med"/>
+                    </a:lnR>
+                    <a:lnT w="12700" cap="flat" cmpd="sng" algn="ctr">
+                      <a:solidFill>
+                        <a:srgbClr val="000000"/>
+                      </a:solidFill>
+                      <a:prstDash val="solid"/>
+                      <a:round/>
+                      <a:headEnd type="none" w="med" len="med"/>
+                      <a:tailEnd type="none" w="med" len="med"/>
+                    </a:lnT>
+                    <a:lnB w="12700" cap="flat" cmpd="sng" algn="ctr">
+                      <a:solidFill>
+                        <a:srgbClr val="000000"/>
+                      </a:solidFill>
+                      <a:prstDash val="solid"/>
+                      <a:round/>
+                      <a:headEnd type="none" w="med" len="med"/>
+                      <a:tailEnd type="none" w="med" len="med"/>
+                    </a:lnB>
+                  </a:tcPr>
+                </a:tc>
+                <a:tc>
+                  <a:txBody>
+                    <a:bodyPr/>
+                    <a:lstStyle/>
+                    <a:p>
+                      <a:pPr algn="ctr">
+                        <a:spcAft>
+                          <a:spcPts val="0"/>
+                        </a:spcAft>
+                      </a:pPr>
+                      <a:r>
+                        <a:rPr lang="en-GB" sz="1800">
+                          <a:solidFill>
+                            <a:srgbClr val="000000"/>
+                          </a:solidFill>
+                          <a:effectLst/>
+                          <a:latin typeface="Calibri" panose="020F0502020204030204" pitchFamily="34" charset="0"/>
+                          <a:ea typeface="Times New Roman" panose="02020603050405020304" pitchFamily="18" charset="0"/>
+                          <a:cs typeface="Times New Roman" panose="02020603050405020304" pitchFamily="18" charset="0"/>
+                        </a:rPr>
+                        <a:t>N</a:t>
+                      </a:r>
+                      <a:endParaRPr lang="de-DE" sz="1200">
+                        <a:effectLst/>
+                        <a:latin typeface="Times New Roman" panose="02020603050405020304" pitchFamily="18" charset="0"/>
+                        <a:ea typeface="DengXian" panose="02010600030101010101" pitchFamily="2" charset="-122"/>
+                        <a:cs typeface="Times New Roman" panose="02020603050405020304" pitchFamily="18" charset="0"/>
+                      </a:endParaRPr>
+                    </a:p>
+                  </a:txBody>
+                  <a:tcPr marL="68580" marR="68580" marT="0" marB="0" anchor="b">
+                    <a:lnL w="12700" cap="flat" cmpd="sng" algn="ctr">
+                      <a:solidFill>
+                        <a:srgbClr val="000000"/>
+                      </a:solidFill>
+                      <a:prstDash val="solid"/>
+                      <a:round/>
+                      <a:headEnd type="none" w="med" len="med"/>
+                      <a:tailEnd type="none" w="med" len="med"/>
+                    </a:lnL>
+                    <a:lnR w="12700" cap="flat" cmpd="sng" algn="ctr">
+                      <a:solidFill>
+                        <a:srgbClr val="000000"/>
+                      </a:solidFill>
+                      <a:prstDash val="solid"/>
+                      <a:round/>
+                      <a:headEnd type="none" w="med" len="med"/>
+                      <a:tailEnd type="none" w="med" len="med"/>
+                    </a:lnR>
+                    <a:lnT w="12700" cap="flat" cmpd="sng" algn="ctr">
+                      <a:solidFill>
+                        <a:srgbClr val="000000"/>
+                      </a:solidFill>
+                      <a:prstDash val="solid"/>
+                      <a:round/>
+                      <a:headEnd type="none" w="med" len="med"/>
+                      <a:tailEnd type="none" w="med" len="med"/>
+                    </a:lnT>
+                    <a:lnB w="12700" cap="flat" cmpd="sng" algn="ctr">
+                      <a:solidFill>
+                        <a:srgbClr val="000000"/>
+                      </a:solidFill>
+                      <a:prstDash val="solid"/>
+                      <a:round/>
+                      <a:headEnd type="none" w="med" len="med"/>
+                      <a:tailEnd type="none" w="med" len="med"/>
+                    </a:lnB>
+                  </a:tcPr>
+                </a:tc>
+                <a:tc>
+                  <a:txBody>
+                    <a:bodyPr/>
+                    <a:lstStyle/>
+                    <a:p>
+                      <a:pPr algn="ctr">
+                        <a:spcAft>
+                          <a:spcPts val="0"/>
+                        </a:spcAft>
+                      </a:pPr>
+                      <a:endParaRPr lang="de-DE" sz="1200" dirty="0">
+                        <a:effectLst/>
+                        <a:latin typeface="Times New Roman" panose="02020603050405020304" pitchFamily="18" charset="0"/>
+                        <a:ea typeface="DengXian" panose="02010600030101010101" pitchFamily="2" charset="-122"/>
+                        <a:cs typeface="Times New Roman" panose="02020603050405020304" pitchFamily="18" charset="0"/>
+                      </a:endParaRPr>
+                    </a:p>
+                  </a:txBody>
+                  <a:tcPr marL="68580" marR="68580" marT="0" marB="0" anchor="ctr">
+                    <a:lnL w="12700" cap="flat" cmpd="sng" algn="ctr">
+                      <a:solidFill>
+                        <a:srgbClr val="000000"/>
+                      </a:solidFill>
+                      <a:prstDash val="solid"/>
+                      <a:round/>
+                      <a:headEnd type="none" w="med" len="med"/>
+                      <a:tailEnd type="none" w="med" len="med"/>
+                    </a:lnL>
+                    <a:lnR>
+                      <a:noFill/>
+                    </a:lnR>
+                    <a:lnT>
+                      <a:noFill/>
+                    </a:lnT>
+                    <a:lnB>
+                      <a:noFill/>
+                    </a:lnB>
+                  </a:tcPr>
+                </a:tc>
+                <a:tc>
+                  <a:txBody>
+                    <a:bodyPr/>
+                    <a:lstStyle/>
+                    <a:p>
+                      <a:pPr algn="ctr">
+                        <a:spcAft>
+                          <a:spcPts val="0"/>
+                        </a:spcAft>
+                      </a:pPr>
+                      <a:endParaRPr lang="de-DE" sz="1200">
+                        <a:effectLst/>
+                        <a:latin typeface="Times New Roman" panose="02020603050405020304" pitchFamily="18" charset="0"/>
+                        <a:ea typeface="DengXian" panose="02010600030101010101" pitchFamily="2" charset="-122"/>
+                        <a:cs typeface="Times New Roman" panose="02020603050405020304" pitchFamily="18" charset="0"/>
+                      </a:endParaRPr>
+                    </a:p>
+                  </a:txBody>
+                  <a:tcPr marL="68580" marR="68580" marT="0" marB="0" anchor="b">
+                    <a:lnL>
+                      <a:noFill/>
+                    </a:lnL>
+                    <a:lnR>
+                      <a:noFill/>
+                    </a:lnR>
+                    <a:lnT>
+                      <a:noFill/>
+                    </a:lnT>
+                    <a:lnB>
+                      <a:noFill/>
+                    </a:lnB>
+                  </a:tcPr>
+                </a:tc>
+                <a:extLst>
+                  <a:ext uri="{0D108BD9-81ED-4DB2-BD59-A6C34878D82A}">
+                    <a16:rowId xmlns:a16="http://schemas.microsoft.com/office/drawing/2014/main" val="2263857069"/>
+                  </a:ext>
+                </a:extLst>
+              </a:tr>
+              <a:tr h="455097">
+                <a:tc rowSpan="2">
+                  <a:txBody>
+                    <a:bodyPr/>
+                    <a:lstStyle/>
+                    <a:p>
+                      <a:pPr algn="ctr">
+                        <a:spcAft>
+                          <a:spcPts val="0"/>
+                        </a:spcAft>
+                      </a:pPr>
+                      <a:r>
+                        <a:rPr lang="en-GB" sz="1800">
+                          <a:solidFill>
+                            <a:srgbClr val="000000"/>
+                          </a:solidFill>
+                          <a:effectLst/>
+                          <a:latin typeface="Calibri" panose="020F0502020204030204" pitchFamily="34" charset="0"/>
+                          <a:ea typeface="Times New Roman" panose="02020603050405020304" pitchFamily="18" charset="0"/>
+                          <a:cs typeface="Times New Roman" panose="02020603050405020304" pitchFamily="18" charset="0"/>
+                        </a:rPr>
+                        <a:t>Actual Class</a:t>
+                      </a:r>
+                      <a:endParaRPr lang="de-DE" sz="1200">
+                        <a:effectLst/>
+                        <a:latin typeface="Times New Roman" panose="02020603050405020304" pitchFamily="18" charset="0"/>
+                        <a:ea typeface="DengXian" panose="02010600030101010101" pitchFamily="2" charset="-122"/>
+                        <a:cs typeface="Times New Roman" panose="02020603050405020304" pitchFamily="18" charset="0"/>
+                      </a:endParaRPr>
+                    </a:p>
+                  </a:txBody>
+                  <a:tcPr marL="68580" marR="68580" marT="0" marB="0" anchor="b">
+                    <a:lnL w="12700" cap="flat" cmpd="sng" algn="ctr">
+                      <a:solidFill>
+                        <a:srgbClr val="000000"/>
+                      </a:solidFill>
+                      <a:prstDash val="solid"/>
+                      <a:round/>
+                      <a:headEnd type="none" w="med" len="med"/>
+                      <a:tailEnd type="none" w="med" len="med"/>
+                    </a:lnL>
+                    <a:lnR w="12700" cap="flat" cmpd="sng" algn="ctr">
+                      <a:solidFill>
+                        <a:srgbClr val="000000"/>
+                      </a:solidFill>
+                      <a:prstDash val="solid"/>
+                      <a:round/>
+                      <a:headEnd type="none" w="med" len="med"/>
+                      <a:tailEnd type="none" w="med" len="med"/>
+                    </a:lnR>
+                    <a:lnT w="12700" cap="flat" cmpd="sng" algn="ctr">
+                      <a:solidFill>
+                        <a:srgbClr val="000000"/>
+                      </a:solidFill>
+                      <a:prstDash val="solid"/>
+                      <a:round/>
+                      <a:headEnd type="none" w="med" len="med"/>
+                      <a:tailEnd type="none" w="med" len="med"/>
+                    </a:lnT>
+                    <a:lnB w="12700" cap="flat" cmpd="sng" algn="ctr">
+                      <a:solidFill>
+                        <a:srgbClr val="000000"/>
+                      </a:solidFill>
+                      <a:prstDash val="solid"/>
+                      <a:round/>
+                      <a:headEnd type="none" w="med" len="med"/>
+                      <a:tailEnd type="none" w="med" len="med"/>
+                    </a:lnB>
+                    <a:solidFill>
+                      <a:srgbClr val="D9E1F2"/>
+                    </a:solidFill>
+                  </a:tcPr>
+                </a:tc>
+                <a:tc>
+                  <a:txBody>
+                    <a:bodyPr/>
+                    <a:lstStyle/>
+                    <a:p>
+                      <a:pPr algn="ctr">
+                        <a:spcAft>
+                          <a:spcPts val="0"/>
+                        </a:spcAft>
+                      </a:pPr>
+                      <a:r>
+                        <a:rPr lang="en-GB" sz="1800">
+                          <a:solidFill>
+                            <a:srgbClr val="000000"/>
+                          </a:solidFill>
+                          <a:effectLst/>
+                          <a:latin typeface="Calibri" panose="020F0502020204030204" pitchFamily="34" charset="0"/>
+                          <a:ea typeface="Times New Roman" panose="02020603050405020304" pitchFamily="18" charset="0"/>
+                          <a:cs typeface="Times New Roman" panose="02020603050405020304" pitchFamily="18" charset="0"/>
+                        </a:rPr>
+                        <a:t>P</a:t>
+                      </a:r>
+                      <a:endParaRPr lang="de-DE" sz="1200">
+                        <a:effectLst/>
+                        <a:latin typeface="Times New Roman" panose="02020603050405020304" pitchFamily="18" charset="0"/>
+                        <a:ea typeface="DengXian" panose="02010600030101010101" pitchFamily="2" charset="-122"/>
+                        <a:cs typeface="Times New Roman" panose="02020603050405020304" pitchFamily="18" charset="0"/>
+                      </a:endParaRPr>
+                    </a:p>
+                  </a:txBody>
+                  <a:tcPr marL="68580" marR="68580" marT="0" marB="0" anchor="b">
+                    <a:lnL w="12700" cap="flat" cmpd="sng" algn="ctr">
+                      <a:solidFill>
+                        <a:srgbClr val="000000"/>
+                      </a:solidFill>
+                      <a:prstDash val="solid"/>
+                      <a:round/>
+                      <a:headEnd type="none" w="med" len="med"/>
+                      <a:tailEnd type="none" w="med" len="med"/>
+                    </a:lnL>
+                    <a:lnR w="12700" cap="flat" cmpd="sng" algn="ctr">
+                      <a:solidFill>
+                        <a:srgbClr val="000000"/>
+                      </a:solidFill>
+                      <a:prstDash val="solid"/>
+                      <a:round/>
+                      <a:headEnd type="none" w="med" len="med"/>
+                      <a:tailEnd type="none" w="med" len="med"/>
+                    </a:lnR>
+                    <a:lnT w="12700" cap="flat" cmpd="sng" algn="ctr">
+                      <a:solidFill>
+                        <a:srgbClr val="000000"/>
+                      </a:solidFill>
+                      <a:prstDash val="solid"/>
+                      <a:round/>
+                      <a:headEnd type="none" w="med" len="med"/>
+                      <a:tailEnd type="none" w="med" len="med"/>
+                    </a:lnT>
+                    <a:lnB w="12700" cap="flat" cmpd="sng" algn="ctr">
+                      <a:solidFill>
+                        <a:srgbClr val="000000"/>
+                      </a:solidFill>
+                      <a:prstDash val="solid"/>
+                      <a:round/>
+                      <a:headEnd type="none" w="med" len="med"/>
+                      <a:tailEnd type="none" w="med" len="med"/>
+                    </a:lnB>
+                  </a:tcPr>
+                </a:tc>
+                <a:tc>
+                  <a:txBody>
+                    <a:bodyPr/>
+                    <a:lstStyle/>
+                    <a:p>
+                      <a:pPr algn="ctr">
+                        <a:spcAft>
+                          <a:spcPts val="0"/>
+                        </a:spcAft>
+                      </a:pPr>
+                      <a:r>
+                        <a:rPr lang="en-GB" sz="1800">
+                          <a:solidFill>
+                            <a:srgbClr val="000000"/>
+                          </a:solidFill>
+                          <a:effectLst/>
+                          <a:latin typeface="Calibri" panose="020F0502020204030204" pitchFamily="34" charset="0"/>
+                          <a:ea typeface="Times New Roman" panose="02020603050405020304" pitchFamily="18" charset="0"/>
+                          <a:cs typeface="Times New Roman" panose="02020603050405020304" pitchFamily="18" charset="0"/>
+                        </a:rPr>
+                        <a:t>1273</a:t>
+                      </a:r>
+                      <a:endParaRPr lang="de-DE" sz="1200">
+                        <a:effectLst/>
+                        <a:latin typeface="Times New Roman" panose="02020603050405020304" pitchFamily="18" charset="0"/>
+                        <a:ea typeface="DengXian" panose="02010600030101010101" pitchFamily="2" charset="-122"/>
+                        <a:cs typeface="Times New Roman" panose="02020603050405020304" pitchFamily="18" charset="0"/>
+                      </a:endParaRPr>
+                    </a:p>
+                  </a:txBody>
+                  <a:tcPr marL="68580" marR="68580" marT="0" marB="0" anchor="b">
+                    <a:lnL w="12700" cap="flat" cmpd="sng" algn="ctr">
+                      <a:solidFill>
+                        <a:srgbClr val="000000"/>
+                      </a:solidFill>
+                      <a:prstDash val="solid"/>
+                      <a:round/>
+                      <a:headEnd type="none" w="med" len="med"/>
+                      <a:tailEnd type="none" w="med" len="med"/>
+                    </a:lnL>
+                    <a:lnR w="12700" cap="flat" cmpd="sng" algn="ctr">
+                      <a:solidFill>
+                        <a:srgbClr val="000000"/>
+                      </a:solidFill>
+                      <a:prstDash val="solid"/>
+                      <a:round/>
+                      <a:headEnd type="none" w="med" len="med"/>
+                      <a:tailEnd type="none" w="med" len="med"/>
+                    </a:lnR>
+                    <a:lnT w="12700" cap="flat" cmpd="sng" algn="ctr">
+                      <a:solidFill>
+                        <a:srgbClr val="000000"/>
+                      </a:solidFill>
+                      <a:prstDash val="solid"/>
+                      <a:round/>
+                      <a:headEnd type="none" w="med" len="med"/>
+                      <a:tailEnd type="none" w="med" len="med"/>
+                    </a:lnT>
+                    <a:lnB w="12700" cap="flat" cmpd="sng" algn="ctr">
+                      <a:solidFill>
+                        <a:srgbClr val="000000"/>
+                      </a:solidFill>
+                      <a:prstDash val="solid"/>
+                      <a:round/>
+                      <a:headEnd type="none" w="med" len="med"/>
+                      <a:tailEnd type="none" w="med" len="med"/>
+                    </a:lnB>
+                  </a:tcPr>
+                </a:tc>
+                <a:tc>
+                  <a:txBody>
+                    <a:bodyPr/>
+                    <a:lstStyle/>
+                    <a:p>
+                      <a:pPr algn="ctr">
+                        <a:spcAft>
+                          <a:spcPts val="0"/>
+                        </a:spcAft>
+                      </a:pPr>
+                      <a:r>
+                        <a:rPr lang="en-GB" sz="1800">
+                          <a:solidFill>
+                            <a:srgbClr val="000000"/>
+                          </a:solidFill>
+                          <a:effectLst/>
+                          <a:latin typeface="Calibri" panose="020F0502020204030204" pitchFamily="34" charset="0"/>
+                          <a:ea typeface="Times New Roman" panose="02020603050405020304" pitchFamily="18" charset="0"/>
+                          <a:cs typeface="Times New Roman" panose="02020603050405020304" pitchFamily="18" charset="0"/>
+                        </a:rPr>
+                        <a:t>523</a:t>
+                      </a:r>
+                      <a:endParaRPr lang="de-DE" sz="1200">
+                        <a:effectLst/>
+                        <a:latin typeface="Times New Roman" panose="02020603050405020304" pitchFamily="18" charset="0"/>
+                        <a:ea typeface="DengXian" panose="02010600030101010101" pitchFamily="2" charset="-122"/>
+                        <a:cs typeface="Times New Roman" panose="02020603050405020304" pitchFamily="18" charset="0"/>
+                      </a:endParaRPr>
+                    </a:p>
+                  </a:txBody>
+                  <a:tcPr marL="68580" marR="68580" marT="0" marB="0" anchor="b">
+                    <a:lnL w="12700" cap="flat" cmpd="sng" algn="ctr">
+                      <a:solidFill>
+                        <a:srgbClr val="000000"/>
+                      </a:solidFill>
+                      <a:prstDash val="solid"/>
+                      <a:round/>
+                      <a:headEnd type="none" w="med" len="med"/>
+                      <a:tailEnd type="none" w="med" len="med"/>
+                    </a:lnL>
+                    <a:lnR w="12700" cap="flat" cmpd="sng" algn="ctr">
+                      <a:solidFill>
+                        <a:srgbClr val="000000"/>
+                      </a:solidFill>
+                      <a:prstDash val="solid"/>
+                      <a:round/>
+                      <a:headEnd type="none" w="med" len="med"/>
+                      <a:tailEnd type="none" w="med" len="med"/>
+                    </a:lnR>
+                    <a:lnT w="12700" cap="flat" cmpd="sng" algn="ctr">
+                      <a:solidFill>
+                        <a:srgbClr val="000000"/>
+                      </a:solidFill>
+                      <a:prstDash val="solid"/>
+                      <a:round/>
+                      <a:headEnd type="none" w="med" len="med"/>
+                      <a:tailEnd type="none" w="med" len="med"/>
+                    </a:lnT>
+                    <a:lnB w="12700" cap="flat" cmpd="sng" algn="ctr">
+                      <a:solidFill>
+                        <a:srgbClr val="000000"/>
+                      </a:solidFill>
+                      <a:prstDash val="solid"/>
+                      <a:round/>
+                      <a:headEnd type="none" w="med" len="med"/>
+                      <a:tailEnd type="none" w="med" len="med"/>
+                    </a:lnB>
+                  </a:tcPr>
+                </a:tc>
+                <a:tc>
+                  <a:txBody>
+                    <a:bodyPr/>
+                    <a:lstStyle/>
+                    <a:p>
+                      <a:pPr algn="ctr">
+                        <a:spcAft>
+                          <a:spcPts val="0"/>
+                        </a:spcAft>
+                      </a:pPr>
+                      <a:endParaRPr lang="de-DE" sz="1200">
+                        <a:effectLst/>
+                        <a:latin typeface="Times New Roman" panose="02020603050405020304" pitchFamily="18" charset="0"/>
+                        <a:ea typeface="DengXian" panose="02010600030101010101" pitchFamily="2" charset="-122"/>
+                        <a:cs typeface="Times New Roman" panose="02020603050405020304" pitchFamily="18" charset="0"/>
+                      </a:endParaRPr>
+                    </a:p>
+                  </a:txBody>
+                  <a:tcPr marL="68580" marR="68580" marT="0" marB="0" anchor="b">
+                    <a:lnL w="12700" cap="flat" cmpd="sng" algn="ctr">
+                      <a:solidFill>
+                        <a:srgbClr val="000000"/>
+                      </a:solidFill>
+                      <a:prstDash val="solid"/>
+                      <a:round/>
+                      <a:headEnd type="none" w="med" len="med"/>
+                      <a:tailEnd type="none" w="med" len="med"/>
+                    </a:lnL>
+                    <a:lnR>
+                      <a:noFill/>
+                    </a:lnR>
+                    <a:lnT>
+                      <a:noFill/>
+                    </a:lnT>
+                    <a:lnB>
+                      <a:noFill/>
+                    </a:lnB>
+                  </a:tcPr>
+                </a:tc>
+                <a:tc>
+                  <a:txBody>
+                    <a:bodyPr/>
+                    <a:lstStyle/>
+                    <a:p>
+                      <a:pPr algn="ctr">
+                        <a:spcAft>
+                          <a:spcPts val="0"/>
+                        </a:spcAft>
+                      </a:pPr>
+                      <a:endParaRPr lang="de-DE" sz="1200" dirty="0">
+                        <a:effectLst/>
+                        <a:latin typeface="Times New Roman" panose="02020603050405020304" pitchFamily="18" charset="0"/>
+                        <a:ea typeface="DengXian" panose="02010600030101010101" pitchFamily="2" charset="-122"/>
+                        <a:cs typeface="Times New Roman" panose="02020603050405020304" pitchFamily="18" charset="0"/>
+                      </a:endParaRPr>
+                    </a:p>
+                  </a:txBody>
+                  <a:tcPr marL="68580" marR="68580" marT="0" marB="0" anchor="b">
+                    <a:lnL>
+                      <a:noFill/>
+                    </a:lnL>
+                    <a:lnR>
+                      <a:noFill/>
+                    </a:lnR>
+                    <a:lnT>
+                      <a:noFill/>
+                    </a:lnT>
+                    <a:lnB>
+                      <a:noFill/>
+                    </a:lnB>
+                  </a:tcPr>
+                </a:tc>
+                <a:extLst>
+                  <a:ext uri="{0D108BD9-81ED-4DB2-BD59-A6C34878D82A}">
+                    <a16:rowId xmlns:a16="http://schemas.microsoft.com/office/drawing/2014/main" val="1651000104"/>
+                  </a:ext>
+                </a:extLst>
+              </a:tr>
+              <a:tr h="455097">
+                <a:tc vMerge="1">
+                  <a:txBody>
+                    <a:bodyPr/>
+                    <a:lstStyle/>
+                    <a:p>
+                      <a:endParaRPr lang="de-DE"/>
+                    </a:p>
+                  </a:txBody>
+                  <a:tcPr/>
+                </a:tc>
+                <a:tc>
+                  <a:txBody>
+                    <a:bodyPr/>
+                    <a:lstStyle/>
+                    <a:p>
+                      <a:pPr algn="ctr">
+                        <a:spcAft>
+                          <a:spcPts val="0"/>
+                        </a:spcAft>
+                      </a:pPr>
+                      <a:r>
+                        <a:rPr lang="en-GB" sz="1800">
+                          <a:solidFill>
+                            <a:srgbClr val="000000"/>
+                          </a:solidFill>
+                          <a:effectLst/>
+                          <a:latin typeface="Calibri" panose="020F0502020204030204" pitchFamily="34" charset="0"/>
+                          <a:ea typeface="Times New Roman" panose="02020603050405020304" pitchFamily="18" charset="0"/>
+                          <a:cs typeface="Times New Roman" panose="02020603050405020304" pitchFamily="18" charset="0"/>
+                        </a:rPr>
+                        <a:t>N</a:t>
+                      </a:r>
+                      <a:endParaRPr lang="de-DE" sz="1200">
+                        <a:effectLst/>
+                        <a:latin typeface="Times New Roman" panose="02020603050405020304" pitchFamily="18" charset="0"/>
+                        <a:ea typeface="DengXian" panose="02010600030101010101" pitchFamily="2" charset="-122"/>
+                        <a:cs typeface="Times New Roman" panose="02020603050405020304" pitchFamily="18" charset="0"/>
+                      </a:endParaRPr>
+                    </a:p>
+                  </a:txBody>
+                  <a:tcPr marL="68580" marR="68580" marT="0" marB="0" anchor="b">
+                    <a:lnL w="12700" cap="flat" cmpd="sng" algn="ctr">
+                      <a:solidFill>
+                        <a:srgbClr val="000000"/>
+                      </a:solidFill>
+                      <a:prstDash val="solid"/>
+                      <a:round/>
+                      <a:headEnd type="none" w="med" len="med"/>
+                      <a:tailEnd type="none" w="med" len="med"/>
+                    </a:lnL>
+                    <a:lnR w="12700" cap="flat" cmpd="sng" algn="ctr">
+                      <a:solidFill>
+                        <a:srgbClr val="000000"/>
+                      </a:solidFill>
+                      <a:prstDash val="solid"/>
+                      <a:round/>
+                      <a:headEnd type="none" w="med" len="med"/>
+                      <a:tailEnd type="none" w="med" len="med"/>
+                    </a:lnR>
+                    <a:lnT w="12700" cap="flat" cmpd="sng" algn="ctr">
+                      <a:solidFill>
+                        <a:srgbClr val="000000"/>
+                      </a:solidFill>
+                      <a:prstDash val="solid"/>
+                      <a:round/>
+                      <a:headEnd type="none" w="med" len="med"/>
+                      <a:tailEnd type="none" w="med" len="med"/>
+                    </a:lnT>
+                    <a:lnB w="12700" cap="flat" cmpd="sng" algn="ctr">
+                      <a:solidFill>
+                        <a:srgbClr val="000000"/>
+                      </a:solidFill>
+                      <a:prstDash val="solid"/>
+                      <a:round/>
+                      <a:headEnd type="none" w="med" len="med"/>
+                      <a:tailEnd type="none" w="med" len="med"/>
+                    </a:lnB>
+                  </a:tcPr>
+                </a:tc>
+                <a:tc>
+                  <a:txBody>
+                    <a:bodyPr/>
+                    <a:lstStyle/>
+                    <a:p>
+                      <a:pPr algn="ctr">
+                        <a:spcAft>
+                          <a:spcPts val="0"/>
+                        </a:spcAft>
+                      </a:pPr>
+                      <a:r>
+                        <a:rPr lang="en-GB" sz="1800">
+                          <a:solidFill>
+                            <a:srgbClr val="000000"/>
+                          </a:solidFill>
+                          <a:effectLst/>
+                          <a:latin typeface="Calibri" panose="020F0502020204030204" pitchFamily="34" charset="0"/>
+                          <a:ea typeface="Times New Roman" panose="02020603050405020304" pitchFamily="18" charset="0"/>
+                          <a:cs typeface="Times New Roman" panose="02020603050405020304" pitchFamily="18" charset="0"/>
+                        </a:rPr>
+                        <a:t>466</a:t>
+                      </a:r>
+                      <a:endParaRPr lang="de-DE" sz="1200">
+                        <a:effectLst/>
+                        <a:latin typeface="Times New Roman" panose="02020603050405020304" pitchFamily="18" charset="0"/>
+                        <a:ea typeface="DengXian" panose="02010600030101010101" pitchFamily="2" charset="-122"/>
+                        <a:cs typeface="Times New Roman" panose="02020603050405020304" pitchFamily="18" charset="0"/>
+                      </a:endParaRPr>
+                    </a:p>
+                  </a:txBody>
+                  <a:tcPr marL="68580" marR="68580" marT="0" marB="0" anchor="b">
+                    <a:lnL w="12700" cap="flat" cmpd="sng" algn="ctr">
+                      <a:solidFill>
+                        <a:srgbClr val="000000"/>
+                      </a:solidFill>
+                      <a:prstDash val="solid"/>
+                      <a:round/>
+                      <a:headEnd type="none" w="med" len="med"/>
+                      <a:tailEnd type="none" w="med" len="med"/>
+                    </a:lnL>
+                    <a:lnR w="12700" cap="flat" cmpd="sng" algn="ctr">
+                      <a:solidFill>
+                        <a:srgbClr val="000000"/>
+                      </a:solidFill>
+                      <a:prstDash val="solid"/>
+                      <a:round/>
+                      <a:headEnd type="none" w="med" len="med"/>
+                      <a:tailEnd type="none" w="med" len="med"/>
+                    </a:lnR>
+                    <a:lnT w="12700" cap="flat" cmpd="sng" algn="ctr">
+                      <a:solidFill>
+                        <a:srgbClr val="000000"/>
+                      </a:solidFill>
+                      <a:prstDash val="solid"/>
+                      <a:round/>
+                      <a:headEnd type="none" w="med" len="med"/>
+                      <a:tailEnd type="none" w="med" len="med"/>
+                    </a:lnT>
+                    <a:lnB w="12700" cap="flat" cmpd="sng" algn="ctr">
+                      <a:solidFill>
+                        <a:srgbClr val="000000"/>
+                      </a:solidFill>
+                      <a:prstDash val="solid"/>
+                      <a:round/>
+                      <a:headEnd type="none" w="med" len="med"/>
+                      <a:tailEnd type="none" w="med" len="med"/>
+                    </a:lnB>
+                  </a:tcPr>
+                </a:tc>
+                <a:tc>
+                  <a:txBody>
+                    <a:bodyPr/>
+                    <a:lstStyle/>
+                    <a:p>
+                      <a:pPr algn="ctr">
+                        <a:spcAft>
+                          <a:spcPts val="0"/>
+                        </a:spcAft>
+                      </a:pPr>
+                      <a:r>
+                        <a:rPr lang="en-GB" sz="1800">
+                          <a:solidFill>
+                            <a:srgbClr val="000000"/>
+                          </a:solidFill>
+                          <a:effectLst/>
+                          <a:latin typeface="Calibri" panose="020F0502020204030204" pitchFamily="34" charset="0"/>
+                          <a:ea typeface="Times New Roman" panose="02020603050405020304" pitchFamily="18" charset="0"/>
+                          <a:cs typeface="Times New Roman" panose="02020603050405020304" pitchFamily="18" charset="0"/>
+                        </a:rPr>
+                        <a:t>NIL</a:t>
+                      </a:r>
+                      <a:endParaRPr lang="de-DE" sz="1200" dirty="0">
+                        <a:effectLst/>
+                        <a:latin typeface="Times New Roman" panose="02020603050405020304" pitchFamily="18" charset="0"/>
+                        <a:ea typeface="DengXian" panose="02010600030101010101" pitchFamily="2" charset="-122"/>
+                        <a:cs typeface="Times New Roman" panose="02020603050405020304" pitchFamily="18" charset="0"/>
+                      </a:endParaRPr>
+                    </a:p>
+                  </a:txBody>
+                  <a:tcPr marL="68580" marR="68580" marT="0" marB="0" anchor="b">
+                    <a:lnL w="12700" cap="flat" cmpd="sng" algn="ctr">
+                      <a:solidFill>
+                        <a:srgbClr val="000000"/>
+                      </a:solidFill>
+                      <a:prstDash val="solid"/>
+                      <a:round/>
+                      <a:headEnd type="none" w="med" len="med"/>
+                      <a:tailEnd type="none" w="med" len="med"/>
+                    </a:lnL>
+                    <a:lnR w="12700" cap="flat" cmpd="sng" algn="ctr">
+                      <a:solidFill>
+                        <a:srgbClr val="000000"/>
+                      </a:solidFill>
+                      <a:prstDash val="solid"/>
+                      <a:round/>
+                      <a:headEnd type="none" w="med" len="med"/>
+                      <a:tailEnd type="none" w="med" len="med"/>
+                    </a:lnR>
+                    <a:lnT w="12700" cap="flat" cmpd="sng" algn="ctr">
+                      <a:solidFill>
+                        <a:srgbClr val="000000"/>
+                      </a:solidFill>
+                      <a:prstDash val="solid"/>
+                      <a:round/>
+                      <a:headEnd type="none" w="med" len="med"/>
+                      <a:tailEnd type="none" w="med" len="med"/>
+                    </a:lnT>
+                    <a:lnB w="12700" cap="flat" cmpd="sng" algn="ctr">
+                      <a:solidFill>
+                        <a:srgbClr val="000000"/>
+                      </a:solidFill>
+                      <a:prstDash val="solid"/>
+                      <a:round/>
+                      <a:headEnd type="none" w="med" len="med"/>
+                      <a:tailEnd type="none" w="med" len="med"/>
+                    </a:lnB>
+                  </a:tcPr>
+                </a:tc>
+                <a:tc>
+                  <a:txBody>
+                    <a:bodyPr/>
+                    <a:lstStyle/>
+                    <a:p>
+                      <a:pPr algn="ctr"/>
+                      <a:endParaRPr lang="de-DE" sz="1200">
+                        <a:effectLst/>
+                        <a:latin typeface="Times New Roman" panose="02020603050405020304" pitchFamily="18" charset="0"/>
+                        <a:cs typeface="Times New Roman" panose="02020603050405020304" pitchFamily="18" charset="0"/>
+                      </a:endParaRPr>
+                    </a:p>
+                  </a:txBody>
+                  <a:tcPr marL="68580" marR="68580" marT="0" marB="0" anchor="b">
+                    <a:lnL w="12700" cap="flat" cmpd="sng" algn="ctr">
+                      <a:solidFill>
+                        <a:srgbClr val="000000"/>
+                      </a:solidFill>
+                      <a:prstDash val="solid"/>
+                      <a:round/>
+                      <a:headEnd type="none" w="med" len="med"/>
+                      <a:tailEnd type="none" w="med" len="med"/>
+                    </a:lnL>
+                    <a:lnR>
+                      <a:noFill/>
+                    </a:lnR>
+                    <a:lnT>
+                      <a:noFill/>
+                    </a:lnT>
+                    <a:lnB>
+                      <a:noFill/>
+                    </a:lnB>
+                  </a:tcPr>
+                </a:tc>
+                <a:tc>
+                  <a:txBody>
+                    <a:bodyPr/>
+                    <a:lstStyle/>
+                    <a:p>
+                      <a:pPr algn="ctr"/>
+                      <a:endParaRPr lang="de-DE" sz="1200" dirty="0">
+                        <a:effectLst/>
+                        <a:latin typeface="Times New Roman" panose="02020603050405020304" pitchFamily="18" charset="0"/>
+                        <a:cs typeface="Times New Roman" panose="02020603050405020304" pitchFamily="18" charset="0"/>
+                      </a:endParaRPr>
+                    </a:p>
+                  </a:txBody>
+                  <a:tcPr marL="68580" marR="68580" marT="0" marB="0" anchor="b">
+                    <a:lnL>
+                      <a:noFill/>
+                    </a:lnL>
+                    <a:lnR>
+                      <a:noFill/>
+                    </a:lnR>
+                    <a:lnT>
+                      <a:noFill/>
+                    </a:lnT>
+                    <a:lnB>
+                      <a:noFill/>
+                    </a:lnB>
+                  </a:tcPr>
+                </a:tc>
+                <a:extLst>
+                  <a:ext uri="{0D108BD9-81ED-4DB2-BD59-A6C34878D82A}">
+                    <a16:rowId xmlns:a16="http://schemas.microsoft.com/office/drawing/2014/main" val="2005564228"/>
+                  </a:ext>
+                </a:extLst>
+              </a:tr>
+            </a:tbl>
+          </a:graphicData>
+        </a:graphic>
+      </p:graphicFrame>
       <p:pic>
         <p:nvPicPr>
-          <p:cNvPr id="5" name="Picture 4"/>
+          <p:cNvPr id="9" name="Picture 8">
+            <a:extLst>
+              <a:ext uri="{FF2B5EF4-FFF2-40B4-BE49-F238E27FC236}">
+                <a16:creationId xmlns:a16="http://schemas.microsoft.com/office/drawing/2014/main" id="{D775D530-857C-424A-AAEF-0812A88FAD98}"/>
+              </a:ext>
+            </a:extLst>
+          </p:cNvPr>
           <p:cNvPicPr>
             <a:picLocks noChangeAspect="1"/>
           </p:cNvPicPr>
           <p:nvPr/>
         </p:nvPicPr>
-        <p:blipFill>
+        <p:blipFill rotWithShape="1">
           <a:blip r:embed="rId3"/>
-          <a:stretch>
-            <a:fillRect/>
-          </a:stretch>
+          <a:srcRect l="29095" t="60765" r="29428" b="19566"/>
+          <a:stretch/>
         </p:blipFill>
         <p:spPr>
           <a:xfrm>
-            <a:off x="1132489" y="3419245"/>
-            <a:ext cx="6469118" cy="2102463"/>
+            <a:off x="609601" y="2328177"/>
+            <a:ext cx="6022429" cy="1605648"/>
           </a:xfrm>
           <a:prstGeom prst="rect">
             <a:avLst/>
@@ -11262,7 +12748,7 @@
           <a:p>
             <a:r>
               <a:rPr lang="en-US" dirty="0"/>
-              <a:t>Performance analysis (F1-Score)</a:t>
+              <a:t>Results of Performance (F1-Score)</a:t>
             </a:r>
           </a:p>
         </p:txBody>
@@ -11276,14 +12762,14 @@
           <p:nvPr>
             <p:extLst>
               <p:ext uri="{D42A27DB-BD31-4B8C-83A1-F6EECF244321}">
-                <p14:modId xmlns:p14="http://schemas.microsoft.com/office/powerpoint/2010/main" val="1531201059"/>
+                <p14:modId xmlns:p14="http://schemas.microsoft.com/office/powerpoint/2010/main" val="2266910928"/>
               </p:ext>
             </p:extLst>
           </p:nvPr>
         </p:nvGraphicFramePr>
         <p:xfrm>
-          <a:off x="2248592" y="1690688"/>
-          <a:ext cx="7694815" cy="4616889"/>
+          <a:off x="4457700" y="1690688"/>
+          <a:ext cx="6491547" cy="4824412"/>
         </p:xfrm>
         <a:graphic>
           <a:graphicData uri="http://schemas.openxmlformats.org/drawingml/2006/chart">
@@ -11291,6 +12777,75 @@
           </a:graphicData>
         </a:graphic>
       </p:graphicFrame>
+      <p:sp>
+        <p:nvSpPr>
+          <p:cNvPr id="4" name="TextBox 3">
+            <a:extLst>
+              <a:ext uri="{FF2B5EF4-FFF2-40B4-BE49-F238E27FC236}">
+                <a16:creationId xmlns:a16="http://schemas.microsoft.com/office/drawing/2014/main" id="{89AF2824-4CB8-43EA-9B12-A4B577DD0807}"/>
+              </a:ext>
+            </a:extLst>
+          </p:cNvPr>
+          <p:cNvSpPr txBox="1"/>
+          <p:nvPr/>
+        </p:nvSpPr>
+        <p:spPr>
+          <a:xfrm>
+            <a:off x="365760" y="2487067"/>
+            <a:ext cx="4091940" cy="3231654"/>
+          </a:xfrm>
+          <a:prstGeom prst="rect">
+            <a:avLst/>
+          </a:prstGeom>
+          <a:noFill/>
+        </p:spPr>
+        <p:txBody>
+          <a:bodyPr wrap="square" rtlCol="0">
+            <a:spAutoFit/>
+          </a:bodyPr>
+          <a:lstStyle/>
+          <a:p>
+            <a:r>
+              <a:rPr lang="de-DE" sz="2800" dirty="0"/>
+              <a:t>Possible improvements:</a:t>
+            </a:r>
+          </a:p>
+          <a:p>
+            <a:pPr marL="285750" indent="-285750">
+              <a:buFontTx/>
+              <a:buChar char="-"/>
+            </a:pPr>
+            <a:r>
+              <a:rPr lang="de-DE" sz="2800" dirty="0"/>
+              <a:t>Enhance size limitations</a:t>
+            </a:r>
+          </a:p>
+          <a:p>
+            <a:pPr marL="285750" indent="-285750">
+              <a:buFontTx/>
+              <a:buChar char="-"/>
+            </a:pPr>
+            <a:r>
+              <a:rPr lang="de-DE" sz="2800" dirty="0"/>
+              <a:t>Apply search for consensus sequences (TATA, Pribnow, Shine-Dalgarno)</a:t>
+            </a:r>
+          </a:p>
+          <a:p>
+            <a:pPr marL="285750" indent="-285750">
+              <a:buFontTx/>
+              <a:buChar char="-"/>
+            </a:pPr>
+            <a:endParaRPr lang="de-DE" dirty="0"/>
+          </a:p>
+          <a:p>
+            <a:pPr marL="285750" indent="-285750">
+              <a:buFontTx/>
+              <a:buChar char="-"/>
+            </a:pPr>
+            <a:endParaRPr lang="de-DE" dirty="0"/>
+          </a:p>
+        </p:txBody>
+      </p:sp>
     </p:spTree>
     <p:extLst>
       <p:ext uri="{BB962C8B-B14F-4D97-AF65-F5344CB8AC3E}">
